--- a/Leveraging Earth Observation Data for Informed Agricultural Decision-Making - Meteoric Minds.pptx
+++ b/Leveraging Earth Observation Data for Informed Agricultural Decision-Making - Meteoric Minds.pptx
@@ -9,12 +9,9 @@
     <p:sldId id="261" r:id="rId3"/>
     <p:sldId id="259" r:id="rId4"/>
     <p:sldId id="267" r:id="rId5"/>
-    <p:sldId id="270" r:id="rId6"/>
-    <p:sldId id="268" r:id="rId7"/>
-    <p:sldId id="269" r:id="rId8"/>
-    <p:sldId id="263" r:id="rId9"/>
-    <p:sldId id="266" r:id="rId10"/>
-    <p:sldId id="265" r:id="rId11"/>
+    <p:sldId id="263" r:id="rId6"/>
+    <p:sldId id="271" r:id="rId7"/>
+    <p:sldId id="266" r:id="rId8"/>
   </p:sldIdLst>
   <p:sldSz cx="12192000" cy="6858000"/>
   <p:notesSz cx="6858000" cy="9144000"/>
@@ -130,3330 +127,6 @@
     </p:ext>
   </p:extLst>
 </p:presentation>
-</file>
-
-<file path=ppt/charts/chart1.xml><?xml version="1.0" encoding="utf-8"?>
-<c:chartSpace xmlns:c="http://schemas.openxmlformats.org/drawingml/2006/chart" xmlns:a="http://schemas.openxmlformats.org/drawingml/2006/main" xmlns:r="http://schemas.openxmlformats.org/officeDocument/2006/relationships" xmlns:c16r2="http://schemas.microsoft.com/office/drawing/2015/06/chart">
-  <c:date1904 val="0"/>
-  <c:lang val="en-US"/>
-  <c:roundedCorners val="0"/>
-  <mc:AlternateContent xmlns:mc="http://schemas.openxmlformats.org/markup-compatibility/2006">
-    <mc:Choice xmlns:c14="http://schemas.microsoft.com/office/drawing/2007/8/2/chart" Requires="c14">
-      <c14:style val="102"/>
-    </mc:Choice>
-    <mc:Fallback>
-      <c:style val="2"/>
-    </mc:Fallback>
-  </mc:AlternateContent>
-  <c:chart>
-    <c:title>
-      <c:tx>
-        <c:rich>
-          <a:bodyPr rot="0" spcFirstLastPara="1" vertOverflow="ellipsis" vert="horz" wrap="square" anchor="ctr" anchorCtr="1"/>
-          <a:lstStyle/>
-          <a:p>
-            <a:pPr>
-              <a:defRPr sz="1400" b="0" i="0" u="none" strike="noStrike" kern="1200" cap="none" spc="20" baseline="0">
-                <a:solidFill>
-                  <a:schemeClr val="dk1">
-                    <a:lumMod val="50000"/>
-                    <a:lumOff val="50000"/>
-                  </a:schemeClr>
-                </a:solidFill>
-                <a:latin typeface="+mn-lt"/>
-                <a:ea typeface="+mn-ea"/>
-                <a:cs typeface="+mn-cs"/>
-              </a:defRPr>
-            </a:pPr>
-            <a:r>
-              <a:rPr lang="en-IN" sz="1400" b="0" i="0" u="none" strike="noStrike" kern="1200" cap="none" spc="20" baseline="0">
-                <a:solidFill>
-                  <a:sysClr val="windowText" lastClr="000000">
-                    <a:lumMod val="50000"/>
-                    <a:lumOff val="50000"/>
-                  </a:sysClr>
-                </a:solidFill>
-              </a:rPr>
-              <a:t>Weekly Average Ground water storage from Jan 2023 to May 2024 </a:t>
-            </a:r>
-          </a:p>
-        </c:rich>
-      </c:tx>
-      <c:overlay val="0"/>
-      <c:spPr>
-        <a:noFill/>
-        <a:ln>
-          <a:noFill/>
-        </a:ln>
-        <a:effectLst/>
-      </c:spPr>
-      <c:txPr>
-        <a:bodyPr rot="0" spcFirstLastPara="1" vertOverflow="ellipsis" vert="horz" wrap="square" anchor="ctr" anchorCtr="1"/>
-        <a:lstStyle/>
-        <a:p>
-          <a:pPr>
-            <a:defRPr sz="1400" b="0" i="0" u="none" strike="noStrike" kern="1200" cap="none" spc="20" baseline="0">
-              <a:solidFill>
-                <a:schemeClr val="dk1">
-                  <a:lumMod val="50000"/>
-                  <a:lumOff val="50000"/>
-                </a:schemeClr>
-              </a:solidFill>
-              <a:latin typeface="+mn-lt"/>
-              <a:ea typeface="+mn-ea"/>
-              <a:cs typeface="+mn-cs"/>
-            </a:defRPr>
-          </a:pPr>
-          <a:endParaRPr lang="en-US"/>
-        </a:p>
-      </c:txPr>
-    </c:title>
-    <c:autoTitleDeleted val="0"/>
-    <c:plotArea>
-      <c:layout/>
-      <c:lineChart>
-        <c:grouping val="standard"/>
-        <c:varyColors val="0"/>
-        <c:ser>
-          <c:idx val="2"/>
-          <c:order val="2"/>
-          <c:tx>
-            <c:strRef>
-              <c:f>CHART!$K$4</c:f>
-              <c:strCache>
-                <c:ptCount val="1"/>
-                <c:pt idx="0">
-                  <c:v>KARNATAKA</c:v>
-                </c:pt>
-              </c:strCache>
-            </c:strRef>
-          </c:tx>
-          <c:spPr>
-            <a:ln w="22225" cap="rnd" cmpd="sng" algn="ctr">
-              <a:solidFill>
-                <a:schemeClr val="accent2">
-                  <a:lumMod val="60000"/>
-                  <a:lumOff val="40000"/>
-                </a:schemeClr>
-              </a:solidFill>
-              <a:round/>
-            </a:ln>
-            <a:effectLst/>
-          </c:spPr>
-          <c:marker>
-            <c:symbol val="none"/>
-          </c:marker>
-          <c:cat>
-            <c:multiLvlStrRef>
-              <c:f>CHART!$I$5:$J$78</c:f>
-              <c:multiLvlStrCache>
-                <c:ptCount val="74"/>
-                <c:lvl>
-                  <c:pt idx="0">
-                    <c:v>1</c:v>
-                  </c:pt>
-                  <c:pt idx="1">
-                    <c:v>2</c:v>
-                  </c:pt>
-                  <c:pt idx="2">
-                    <c:v>3</c:v>
-                  </c:pt>
-                  <c:pt idx="3">
-                    <c:v>4</c:v>
-                  </c:pt>
-                  <c:pt idx="4">
-                    <c:v>5</c:v>
-                  </c:pt>
-                  <c:pt idx="5">
-                    <c:v>6</c:v>
-                  </c:pt>
-                  <c:pt idx="6">
-                    <c:v>7</c:v>
-                  </c:pt>
-                  <c:pt idx="7">
-                    <c:v>8</c:v>
-                  </c:pt>
-                  <c:pt idx="8">
-                    <c:v>9</c:v>
-                  </c:pt>
-                  <c:pt idx="9">
-                    <c:v>10</c:v>
-                  </c:pt>
-                  <c:pt idx="10">
-                    <c:v>11</c:v>
-                  </c:pt>
-                  <c:pt idx="11">
-                    <c:v>12</c:v>
-                  </c:pt>
-                  <c:pt idx="12">
-                    <c:v>13</c:v>
-                  </c:pt>
-                  <c:pt idx="13">
-                    <c:v>14</c:v>
-                  </c:pt>
-                  <c:pt idx="14">
-                    <c:v>15</c:v>
-                  </c:pt>
-                  <c:pt idx="15">
-                    <c:v>16</c:v>
-                  </c:pt>
-                  <c:pt idx="16">
-                    <c:v>17</c:v>
-                  </c:pt>
-                  <c:pt idx="17">
-                    <c:v>18</c:v>
-                  </c:pt>
-                  <c:pt idx="18">
-                    <c:v>19</c:v>
-                  </c:pt>
-                  <c:pt idx="19">
-                    <c:v>20</c:v>
-                  </c:pt>
-                  <c:pt idx="20">
-                    <c:v>21</c:v>
-                  </c:pt>
-                  <c:pt idx="21">
-                    <c:v>22</c:v>
-                  </c:pt>
-                  <c:pt idx="22">
-                    <c:v>23</c:v>
-                  </c:pt>
-                  <c:pt idx="23">
-                    <c:v>24</c:v>
-                  </c:pt>
-                  <c:pt idx="24">
-                    <c:v>25</c:v>
-                  </c:pt>
-                  <c:pt idx="25">
-                    <c:v>26</c:v>
-                  </c:pt>
-                  <c:pt idx="26">
-                    <c:v>27</c:v>
-                  </c:pt>
-                  <c:pt idx="27">
-                    <c:v>28</c:v>
-                  </c:pt>
-                  <c:pt idx="28">
-                    <c:v>29</c:v>
-                  </c:pt>
-                  <c:pt idx="29">
-                    <c:v>30</c:v>
-                  </c:pt>
-                  <c:pt idx="30">
-                    <c:v>31</c:v>
-                  </c:pt>
-                  <c:pt idx="31">
-                    <c:v>32</c:v>
-                  </c:pt>
-                  <c:pt idx="32">
-                    <c:v>33</c:v>
-                  </c:pt>
-                  <c:pt idx="33">
-                    <c:v>34</c:v>
-                  </c:pt>
-                  <c:pt idx="34">
-                    <c:v>35</c:v>
-                  </c:pt>
-                  <c:pt idx="35">
-                    <c:v>36</c:v>
-                  </c:pt>
-                  <c:pt idx="36">
-                    <c:v>37</c:v>
-                  </c:pt>
-                  <c:pt idx="37">
-                    <c:v>38</c:v>
-                  </c:pt>
-                  <c:pt idx="38">
-                    <c:v>39</c:v>
-                  </c:pt>
-                  <c:pt idx="39">
-                    <c:v>40</c:v>
-                  </c:pt>
-                  <c:pt idx="40">
-                    <c:v>41</c:v>
-                  </c:pt>
-                  <c:pt idx="41">
-                    <c:v>42</c:v>
-                  </c:pt>
-                  <c:pt idx="42">
-                    <c:v>43</c:v>
-                  </c:pt>
-                  <c:pt idx="43">
-                    <c:v>44</c:v>
-                  </c:pt>
-                  <c:pt idx="44">
-                    <c:v>45</c:v>
-                  </c:pt>
-                  <c:pt idx="45">
-                    <c:v>46</c:v>
-                  </c:pt>
-                  <c:pt idx="46">
-                    <c:v>47</c:v>
-                  </c:pt>
-                  <c:pt idx="47">
-                    <c:v>48</c:v>
-                  </c:pt>
-                  <c:pt idx="48">
-                    <c:v>49</c:v>
-                  </c:pt>
-                  <c:pt idx="49">
-                    <c:v>50</c:v>
-                  </c:pt>
-                  <c:pt idx="50">
-                    <c:v>51</c:v>
-                  </c:pt>
-                  <c:pt idx="51">
-                    <c:v>52</c:v>
-                  </c:pt>
-                  <c:pt idx="52">
-                    <c:v>53</c:v>
-                  </c:pt>
-                  <c:pt idx="53">
-                    <c:v>54</c:v>
-                  </c:pt>
-                  <c:pt idx="54">
-                    <c:v>55</c:v>
-                  </c:pt>
-                  <c:pt idx="55">
-                    <c:v>56</c:v>
-                  </c:pt>
-                  <c:pt idx="56">
-                    <c:v>57</c:v>
-                  </c:pt>
-                  <c:pt idx="57">
-                    <c:v>58</c:v>
-                  </c:pt>
-                  <c:pt idx="58">
-                    <c:v>59</c:v>
-                  </c:pt>
-                  <c:pt idx="59">
-                    <c:v>60</c:v>
-                  </c:pt>
-                  <c:pt idx="60">
-                    <c:v>61</c:v>
-                  </c:pt>
-                  <c:pt idx="61">
-                    <c:v>62</c:v>
-                  </c:pt>
-                  <c:pt idx="62">
-                    <c:v>63</c:v>
-                  </c:pt>
-                  <c:pt idx="63">
-                    <c:v>64</c:v>
-                  </c:pt>
-                  <c:pt idx="64">
-                    <c:v>65</c:v>
-                  </c:pt>
-                  <c:pt idx="65">
-                    <c:v>66</c:v>
-                  </c:pt>
-                  <c:pt idx="66">
-                    <c:v>67</c:v>
-                  </c:pt>
-                  <c:pt idx="67">
-                    <c:v>68</c:v>
-                  </c:pt>
-                  <c:pt idx="68">
-                    <c:v>69</c:v>
-                  </c:pt>
-                  <c:pt idx="69">
-                    <c:v>70</c:v>
-                  </c:pt>
-                  <c:pt idx="70">
-                    <c:v>71</c:v>
-                  </c:pt>
-                  <c:pt idx="71">
-                    <c:v>72</c:v>
-                  </c:pt>
-                  <c:pt idx="72">
-                    <c:v>73</c:v>
-                  </c:pt>
-                  <c:pt idx="73">
-                    <c:v>74</c:v>
-                  </c:pt>
-                </c:lvl>
-                <c:lvl>
-                  <c:pt idx="0">
-                    <c:v>Winter</c:v>
-                  </c:pt>
-                  <c:pt idx="13">
-                    <c:v>Summer</c:v>
-                  </c:pt>
-                  <c:pt idx="26">
-                    <c:v>Monsoon</c:v>
-                  </c:pt>
-                  <c:pt idx="39">
-                    <c:v>Post-Monsoon</c:v>
-                  </c:pt>
-                  <c:pt idx="48">
-                    <c:v>Winter</c:v>
-                  </c:pt>
-                </c:lvl>
-              </c:multiLvlStrCache>
-            </c:multiLvlStrRef>
-          </c:cat>
-          <c:val>
-            <c:numRef>
-              <c:f>CHART!$K$5:$K$78</c:f>
-              <c:numCache>
-                <c:formatCode>General</c:formatCode>
-                <c:ptCount val="74"/>
-                <c:pt idx="0">
-                  <c:v>94.288120305882302</c:v>
-                </c:pt>
-                <c:pt idx="1">
-                  <c:v>94.807024168627393</c:v>
-                </c:pt>
-                <c:pt idx="2">
-                  <c:v>95.276248435294093</c:v>
-                </c:pt>
-                <c:pt idx="3">
-                  <c:v>95.862125513725402</c:v>
-                </c:pt>
-                <c:pt idx="4">
-                  <c:v>96.384148113725402</c:v>
-                </c:pt>
-                <c:pt idx="5">
-                  <c:v>96.411078082352901</c:v>
-                </c:pt>
-                <c:pt idx="6">
-                  <c:v>96.444863250980305</c:v>
-                </c:pt>
-                <c:pt idx="7">
-                  <c:v>96.225130694117595</c:v>
-                </c:pt>
-                <c:pt idx="8">
-                  <c:v>96.103210176470597</c:v>
-                </c:pt>
-                <c:pt idx="9">
-                  <c:v>96.191770619607794</c:v>
-                </c:pt>
-                <c:pt idx="10">
-                  <c:v>95.851068737254906</c:v>
-                </c:pt>
-                <c:pt idx="11">
-                  <c:v>95.313860941176401</c:v>
-                </c:pt>
-                <c:pt idx="12">
-                  <c:v>92.153366180392098</c:v>
-                </c:pt>
-                <c:pt idx="13">
-                  <c:v>89.3856419490196</c:v>
-                </c:pt>
-                <c:pt idx="14">
-                  <c:v>88.993256415686204</c:v>
-                </c:pt>
-                <c:pt idx="15">
-                  <c:v>88.401265115686201</c:v>
-                </c:pt>
-                <c:pt idx="16">
-                  <c:v>86.646831261568593</c:v>
-                </c:pt>
-                <c:pt idx="17">
-                  <c:v>86.0234120113725</c:v>
-                </c:pt>
-                <c:pt idx="18">
-                  <c:v>86.935879079215596</c:v>
-                </c:pt>
-                <c:pt idx="19">
-                  <c:v>88.802064137254803</c:v>
-                </c:pt>
-                <c:pt idx="20">
-                  <c:v>87.532349152941094</c:v>
-                </c:pt>
-                <c:pt idx="21">
-                  <c:v>86.672536925490107</c:v>
-                </c:pt>
-                <c:pt idx="22">
-                  <c:v>84.325112968627394</c:v>
-                </c:pt>
-                <c:pt idx="23">
-                  <c:v>77.219246390588197</c:v>
-                </c:pt>
-                <c:pt idx="24">
-                  <c:v>67.432899971803906</c:v>
-                </c:pt>
-                <c:pt idx="25">
-                  <c:v>58.905566755450899</c:v>
-                </c:pt>
-                <c:pt idx="26">
-                  <c:v>52.269990911843102</c:v>
-                </c:pt>
-                <c:pt idx="27">
-                  <c:v>57.286242234117601</c:v>
-                </c:pt>
-                <c:pt idx="28">
-                  <c:v>56.7869740168627</c:v>
-                </c:pt>
-                <c:pt idx="29">
-                  <c:v>62.3815840419607</c:v>
-                </c:pt>
-                <c:pt idx="30">
-                  <c:v>69.404017494117596</c:v>
-                </c:pt>
-                <c:pt idx="31">
-                  <c:v>61.299230770980301</c:v>
-                </c:pt>
-                <c:pt idx="32">
-                  <c:v>54.789897724470499</c:v>
-                </c:pt>
-                <c:pt idx="33">
-                  <c:v>50.009478868705799</c:v>
-                </c:pt>
-                <c:pt idx="34">
-                  <c:v>45.248212317882299</c:v>
-                </c:pt>
-                <c:pt idx="35">
-                  <c:v>41.395609599294097</c:v>
-                </c:pt>
-                <c:pt idx="36">
-                  <c:v>39.733767406431298</c:v>
-                </c:pt>
-                <c:pt idx="37">
-                  <c:v>38.412624419529401</c:v>
-                </c:pt>
-                <c:pt idx="38">
-                  <c:v>36.600670468862702</c:v>
-                </c:pt>
-                <c:pt idx="39">
-                  <c:v>40.567577677764703</c:v>
-                </c:pt>
-                <c:pt idx="40">
-                  <c:v>37.437186219137203</c:v>
-                </c:pt>
-                <c:pt idx="41">
-                  <c:v>35.8584357103529</c:v>
-                </c:pt>
-                <c:pt idx="42">
-                  <c:v>31.969070367294101</c:v>
-                </c:pt>
-                <c:pt idx="43">
-                  <c:v>27.3411388487058</c:v>
-                </c:pt>
-                <c:pt idx="44">
-                  <c:v>25.421783303529399</c:v>
-                </c:pt>
-                <c:pt idx="45">
-                  <c:v>28.388003339215601</c:v>
-                </c:pt>
-                <c:pt idx="46">
-                  <c:v>28.387891404705801</c:v>
-                </c:pt>
-                <c:pt idx="47">
-                  <c:v>28.868649389411701</c:v>
-                </c:pt>
-                <c:pt idx="48">
-                  <c:v>30.744775532156801</c:v>
-                </c:pt>
-                <c:pt idx="49">
-                  <c:v>32.918725052156802</c:v>
-                </c:pt>
-                <c:pt idx="50">
-                  <c:v>35.118446438823497</c:v>
-                </c:pt>
-                <c:pt idx="51">
-                  <c:v>36.889958307843102</c:v>
-                </c:pt>
-                <c:pt idx="52">
-                  <c:v>38.336904770980297</c:v>
-                </c:pt>
-                <c:pt idx="53">
-                  <c:v>40.3877144243137</c:v>
-                </c:pt>
-                <c:pt idx="54">
-                  <c:v>42.816188109019599</c:v>
-                </c:pt>
-                <c:pt idx="55">
-                  <c:v>44.603094487450903</c:v>
-                </c:pt>
-                <c:pt idx="56">
-                  <c:v>47.141650580392103</c:v>
-                </c:pt>
-                <c:pt idx="57">
-                  <c:v>52.405503643137202</c:v>
-                </c:pt>
-                <c:pt idx="58">
-                  <c:v>55.288225015686201</c:v>
-                </c:pt>
-                <c:pt idx="59">
-                  <c:v>58.124198007843098</c:v>
-                </c:pt>
-                <c:pt idx="60">
-                  <c:v>60.865489211764697</c:v>
-                </c:pt>
-                <c:pt idx="61">
-                  <c:v>61.090194992156803</c:v>
-                </c:pt>
-                <c:pt idx="62">
-                  <c:v>63.323919400000001</c:v>
-                </c:pt>
-                <c:pt idx="63">
-                  <c:v>65.025197388235298</c:v>
-                </c:pt>
-                <c:pt idx="64">
-                  <c:v>63.824036866666603</c:v>
-                </c:pt>
-                <c:pt idx="65">
-                  <c:v>61.226877407843098</c:v>
-                </c:pt>
-                <c:pt idx="66">
-                  <c:v>59.564052733333298</c:v>
-                </c:pt>
-                <c:pt idx="67">
-                  <c:v>57.788901329411701</c:v>
-                </c:pt>
-                <c:pt idx="68">
-                  <c:v>56.148449890588203</c:v>
-                </c:pt>
-                <c:pt idx="69">
-                  <c:v>55.005994685490201</c:v>
-                </c:pt>
-                <c:pt idx="70">
-                  <c:v>53.211798447607798</c:v>
-                </c:pt>
-                <c:pt idx="71">
-                  <c:v>51.351047755294097</c:v>
-                </c:pt>
-                <c:pt idx="72">
-                  <c:v>57.765471964313697</c:v>
-                </c:pt>
-                <c:pt idx="73">
-                  <c:v>72.483975058823503</c:v>
-                </c:pt>
-              </c:numCache>
-            </c:numRef>
-          </c:val>
-          <c:smooth val="0"/>
-          <c:extLst>
-            <c:ext xmlns:c16="http://schemas.microsoft.com/office/drawing/2014/chart" uri="{C3380CC4-5D6E-409C-BE32-E72D297353CC}">
-              <c16:uniqueId val="{00000000-7211-4B35-B559-1E2CD020FEF4}"/>
-            </c:ext>
-          </c:extLst>
-        </c:ser>
-        <c:ser>
-          <c:idx val="3"/>
-          <c:order val="3"/>
-          <c:tx>
-            <c:strRef>
-              <c:f>CHART!$L$4</c:f>
-              <c:strCache>
-                <c:ptCount val="1"/>
-                <c:pt idx="0">
-                  <c:v>KERALA</c:v>
-                </c:pt>
-              </c:strCache>
-            </c:strRef>
-          </c:tx>
-          <c:spPr>
-            <a:ln w="22225" cap="rnd" cmpd="sng" algn="ctr">
-              <a:solidFill>
-                <a:schemeClr val="accent2">
-                  <a:lumMod val="60000"/>
-                </a:schemeClr>
-              </a:solidFill>
-              <a:round/>
-            </a:ln>
-            <a:effectLst/>
-          </c:spPr>
-          <c:marker>
-            <c:symbol val="none"/>
-          </c:marker>
-          <c:cat>
-            <c:multiLvlStrRef>
-              <c:f>CHART!$I$5:$J$78</c:f>
-              <c:multiLvlStrCache>
-                <c:ptCount val="74"/>
-                <c:lvl>
-                  <c:pt idx="0">
-                    <c:v>1</c:v>
-                  </c:pt>
-                  <c:pt idx="1">
-                    <c:v>2</c:v>
-                  </c:pt>
-                  <c:pt idx="2">
-                    <c:v>3</c:v>
-                  </c:pt>
-                  <c:pt idx="3">
-                    <c:v>4</c:v>
-                  </c:pt>
-                  <c:pt idx="4">
-                    <c:v>5</c:v>
-                  </c:pt>
-                  <c:pt idx="5">
-                    <c:v>6</c:v>
-                  </c:pt>
-                  <c:pt idx="6">
-                    <c:v>7</c:v>
-                  </c:pt>
-                  <c:pt idx="7">
-                    <c:v>8</c:v>
-                  </c:pt>
-                  <c:pt idx="8">
-                    <c:v>9</c:v>
-                  </c:pt>
-                  <c:pt idx="9">
-                    <c:v>10</c:v>
-                  </c:pt>
-                  <c:pt idx="10">
-                    <c:v>11</c:v>
-                  </c:pt>
-                  <c:pt idx="11">
-                    <c:v>12</c:v>
-                  </c:pt>
-                  <c:pt idx="12">
-                    <c:v>13</c:v>
-                  </c:pt>
-                  <c:pt idx="13">
-                    <c:v>14</c:v>
-                  </c:pt>
-                  <c:pt idx="14">
-                    <c:v>15</c:v>
-                  </c:pt>
-                  <c:pt idx="15">
-                    <c:v>16</c:v>
-                  </c:pt>
-                  <c:pt idx="16">
-                    <c:v>17</c:v>
-                  </c:pt>
-                  <c:pt idx="17">
-                    <c:v>18</c:v>
-                  </c:pt>
-                  <c:pt idx="18">
-                    <c:v>19</c:v>
-                  </c:pt>
-                  <c:pt idx="19">
-                    <c:v>20</c:v>
-                  </c:pt>
-                  <c:pt idx="20">
-                    <c:v>21</c:v>
-                  </c:pt>
-                  <c:pt idx="21">
-                    <c:v>22</c:v>
-                  </c:pt>
-                  <c:pt idx="22">
-                    <c:v>23</c:v>
-                  </c:pt>
-                  <c:pt idx="23">
-                    <c:v>24</c:v>
-                  </c:pt>
-                  <c:pt idx="24">
-                    <c:v>25</c:v>
-                  </c:pt>
-                  <c:pt idx="25">
-                    <c:v>26</c:v>
-                  </c:pt>
-                  <c:pt idx="26">
-                    <c:v>27</c:v>
-                  </c:pt>
-                  <c:pt idx="27">
-                    <c:v>28</c:v>
-                  </c:pt>
-                  <c:pt idx="28">
-                    <c:v>29</c:v>
-                  </c:pt>
-                  <c:pt idx="29">
-                    <c:v>30</c:v>
-                  </c:pt>
-                  <c:pt idx="30">
-                    <c:v>31</c:v>
-                  </c:pt>
-                  <c:pt idx="31">
-                    <c:v>32</c:v>
-                  </c:pt>
-                  <c:pt idx="32">
-                    <c:v>33</c:v>
-                  </c:pt>
-                  <c:pt idx="33">
-                    <c:v>34</c:v>
-                  </c:pt>
-                  <c:pt idx="34">
-                    <c:v>35</c:v>
-                  </c:pt>
-                  <c:pt idx="35">
-                    <c:v>36</c:v>
-                  </c:pt>
-                  <c:pt idx="36">
-                    <c:v>37</c:v>
-                  </c:pt>
-                  <c:pt idx="37">
-                    <c:v>38</c:v>
-                  </c:pt>
-                  <c:pt idx="38">
-                    <c:v>39</c:v>
-                  </c:pt>
-                  <c:pt idx="39">
-                    <c:v>40</c:v>
-                  </c:pt>
-                  <c:pt idx="40">
-                    <c:v>41</c:v>
-                  </c:pt>
-                  <c:pt idx="41">
-                    <c:v>42</c:v>
-                  </c:pt>
-                  <c:pt idx="42">
-                    <c:v>43</c:v>
-                  </c:pt>
-                  <c:pt idx="43">
-                    <c:v>44</c:v>
-                  </c:pt>
-                  <c:pt idx="44">
-                    <c:v>45</c:v>
-                  </c:pt>
-                  <c:pt idx="45">
-                    <c:v>46</c:v>
-                  </c:pt>
-                  <c:pt idx="46">
-                    <c:v>47</c:v>
-                  </c:pt>
-                  <c:pt idx="47">
-                    <c:v>48</c:v>
-                  </c:pt>
-                  <c:pt idx="48">
-                    <c:v>49</c:v>
-                  </c:pt>
-                  <c:pt idx="49">
-                    <c:v>50</c:v>
-                  </c:pt>
-                  <c:pt idx="50">
-                    <c:v>51</c:v>
-                  </c:pt>
-                  <c:pt idx="51">
-                    <c:v>52</c:v>
-                  </c:pt>
-                  <c:pt idx="52">
-                    <c:v>53</c:v>
-                  </c:pt>
-                  <c:pt idx="53">
-                    <c:v>54</c:v>
-                  </c:pt>
-                  <c:pt idx="54">
-                    <c:v>55</c:v>
-                  </c:pt>
-                  <c:pt idx="55">
-                    <c:v>56</c:v>
-                  </c:pt>
-                  <c:pt idx="56">
-                    <c:v>57</c:v>
-                  </c:pt>
-                  <c:pt idx="57">
-                    <c:v>58</c:v>
-                  </c:pt>
-                  <c:pt idx="58">
-                    <c:v>59</c:v>
-                  </c:pt>
-                  <c:pt idx="59">
-                    <c:v>60</c:v>
-                  </c:pt>
-                  <c:pt idx="60">
-                    <c:v>61</c:v>
-                  </c:pt>
-                  <c:pt idx="61">
-                    <c:v>62</c:v>
-                  </c:pt>
-                  <c:pt idx="62">
-                    <c:v>63</c:v>
-                  </c:pt>
-                  <c:pt idx="63">
-                    <c:v>64</c:v>
-                  </c:pt>
-                  <c:pt idx="64">
-                    <c:v>65</c:v>
-                  </c:pt>
-                  <c:pt idx="65">
-                    <c:v>66</c:v>
-                  </c:pt>
-                  <c:pt idx="66">
-                    <c:v>67</c:v>
-                  </c:pt>
-                  <c:pt idx="67">
-                    <c:v>68</c:v>
-                  </c:pt>
-                  <c:pt idx="68">
-                    <c:v>69</c:v>
-                  </c:pt>
-                  <c:pt idx="69">
-                    <c:v>70</c:v>
-                  </c:pt>
-                  <c:pt idx="70">
-                    <c:v>71</c:v>
-                  </c:pt>
-                  <c:pt idx="71">
-                    <c:v>72</c:v>
-                  </c:pt>
-                  <c:pt idx="72">
-                    <c:v>73</c:v>
-                  </c:pt>
-                  <c:pt idx="73">
-                    <c:v>74</c:v>
-                  </c:pt>
-                </c:lvl>
-                <c:lvl>
-                  <c:pt idx="0">
-                    <c:v>Winter</c:v>
-                  </c:pt>
-                  <c:pt idx="13">
-                    <c:v>Summer</c:v>
-                  </c:pt>
-                  <c:pt idx="26">
-                    <c:v>Monsoon</c:v>
-                  </c:pt>
-                  <c:pt idx="39">
-                    <c:v>Post-Monsoon</c:v>
-                  </c:pt>
-                  <c:pt idx="48">
-                    <c:v>Winter</c:v>
-                  </c:pt>
-                </c:lvl>
-              </c:multiLvlStrCache>
-            </c:multiLvlStrRef>
-          </c:cat>
-          <c:val>
-            <c:numRef>
-              <c:f>CHART!$L$5:$L$78</c:f>
-              <c:numCache>
-                <c:formatCode>General</c:formatCode>
-                <c:ptCount val="74"/>
-                <c:pt idx="0">
-                  <c:v>85.171446265306102</c:v>
-                </c:pt>
-                <c:pt idx="1">
-                  <c:v>81.687694346938699</c:v>
-                </c:pt>
-                <c:pt idx="2">
-                  <c:v>79.735427551020393</c:v>
-                </c:pt>
-                <c:pt idx="3">
-                  <c:v>78.479350346938702</c:v>
-                </c:pt>
-                <c:pt idx="4">
-                  <c:v>82.414360897959099</c:v>
-                </c:pt>
-                <c:pt idx="5">
-                  <c:v>85.900077265306095</c:v>
-                </c:pt>
-                <c:pt idx="6">
-                  <c:v>86.361737530612203</c:v>
-                </c:pt>
-                <c:pt idx="7">
-                  <c:v>83.744046265306096</c:v>
-                </c:pt>
-                <c:pt idx="8">
-                  <c:v>80.534866204081595</c:v>
-                </c:pt>
-                <c:pt idx="9">
-                  <c:v>77.974123355101995</c:v>
-                </c:pt>
-                <c:pt idx="10">
-                  <c:v>73.247547324489801</c:v>
-                </c:pt>
-                <c:pt idx="11">
-                  <c:v>64.622950863265302</c:v>
-                </c:pt>
-                <c:pt idx="12">
-                  <c:v>54.377327714285698</c:v>
-                </c:pt>
-                <c:pt idx="13">
-                  <c:v>48.971149346938702</c:v>
-                </c:pt>
-                <c:pt idx="14">
-                  <c:v>43.401633877550999</c:v>
-                </c:pt>
-                <c:pt idx="15">
-                  <c:v>37.282021877551003</c:v>
-                </c:pt>
-                <c:pt idx="16">
-                  <c:v>22.708136</c:v>
-                </c:pt>
-                <c:pt idx="17">
-                  <c:v>25.533699679591798</c:v>
-                </c:pt>
-                <c:pt idx="18">
-                  <c:v>42.329970734693802</c:v>
-                </c:pt>
-                <c:pt idx="19">
-                  <c:v>48.5689451020408</c:v>
-                </c:pt>
-                <c:pt idx="20">
-                  <c:v>39.511173632652998</c:v>
-                </c:pt>
-                <c:pt idx="21">
-                  <c:v>32.953090244897901</c:v>
-                </c:pt>
-                <c:pt idx="22">
-                  <c:v>25.255162663265299</c:v>
-                </c:pt>
-                <c:pt idx="23">
-                  <c:v>15.159369755102</c:v>
-                </c:pt>
-                <c:pt idx="24">
-                  <c:v>3.2513276516326499</c:v>
-                </c:pt>
-                <c:pt idx="25">
-                  <c:v>0.66812945326530604</c:v>
-                </c:pt>
-                <c:pt idx="26">
-                  <c:v>1.80306910183673</c:v>
-                </c:pt>
-                <c:pt idx="27">
-                  <c:v>29.089792861224399</c:v>
-                </c:pt>
-                <c:pt idx="28">
-                  <c:v>19.658415093877501</c:v>
-                </c:pt>
-                <c:pt idx="29">
-                  <c:v>18.8139303763265</c:v>
-                </c:pt>
-                <c:pt idx="30">
-                  <c:v>13.8379405987755</c:v>
-                </c:pt>
-                <c:pt idx="31">
-                  <c:v>7.6981637836734604</c:v>
-                </c:pt>
-                <c:pt idx="32">
-                  <c:v>4.0754632877550998</c:v>
-                </c:pt>
-                <c:pt idx="33">
-                  <c:v>1.89846308816326</c:v>
-                </c:pt>
-                <c:pt idx="34">
-                  <c:v>0.75124997346938704</c:v>
-                </c:pt>
-                <c:pt idx="35">
-                  <c:v>1.0340412746938701</c:v>
-                </c:pt>
-                <c:pt idx="36">
-                  <c:v>4.5373512387755097</c:v>
-                </c:pt>
-                <c:pt idx="37">
-                  <c:v>22.194808812653001</c:v>
-                </c:pt>
-                <c:pt idx="38">
-                  <c:v>45.845303930612197</c:v>
-                </c:pt>
-                <c:pt idx="39">
-                  <c:v>76.4317633265306</c:v>
-                </c:pt>
-                <c:pt idx="40">
-                  <c:v>62.673074265306099</c:v>
-                </c:pt>
-                <c:pt idx="41">
-                  <c:v>72.244695020408102</c:v>
-                </c:pt>
-                <c:pt idx="42">
-                  <c:v>71.744423510204001</c:v>
-                </c:pt>
-                <c:pt idx="43">
-                  <c:v>71.660269408163202</c:v>
-                </c:pt>
-                <c:pt idx="44">
-                  <c:v>84.063089408163194</c:v>
-                </c:pt>
-                <c:pt idx="45">
-                  <c:v>85.071173408163204</c:v>
-                </c:pt>
-                <c:pt idx="46">
-                  <c:v>82.595306632653006</c:v>
-                </c:pt>
-                <c:pt idx="47">
-                  <c:v>85.052796183673394</c:v>
-                </c:pt>
-                <c:pt idx="48">
-                  <c:v>83.725526081632594</c:v>
-                </c:pt>
-                <c:pt idx="49">
-                  <c:v>85.432168979591793</c:v>
-                </c:pt>
-                <c:pt idx="50">
-                  <c:v>88.076422489795902</c:v>
-                </c:pt>
-                <c:pt idx="51">
-                  <c:v>90.472111653061205</c:v>
-                </c:pt>
-                <c:pt idx="52">
-                  <c:v>88.795092265306096</c:v>
-                </c:pt>
-                <c:pt idx="53">
-                  <c:v>92.9986895714285</c:v>
-                </c:pt>
-                <c:pt idx="54">
-                  <c:v>96.089015938775503</c:v>
-                </c:pt>
-                <c:pt idx="55">
-                  <c:v>96.833635183673394</c:v>
-                </c:pt>
-                <c:pt idx="56">
-                  <c:v>97.094196183673404</c:v>
-                </c:pt>
-                <c:pt idx="57">
-                  <c:v>96.434117551020407</c:v>
-                </c:pt>
-                <c:pt idx="58">
-                  <c:v>95.766531285714194</c:v>
-                </c:pt>
-                <c:pt idx="59">
-                  <c:v>94.806547102040795</c:v>
-                </c:pt>
-                <c:pt idx="60">
-                  <c:v>94.676120755102005</c:v>
-                </c:pt>
-                <c:pt idx="61">
-                  <c:v>94.221701204081597</c:v>
-                </c:pt>
-                <c:pt idx="62">
-                  <c:v>93.765653530612198</c:v>
-                </c:pt>
-                <c:pt idx="63">
-                  <c:v>91.029016061224496</c:v>
-                </c:pt>
-                <c:pt idx="64">
-                  <c:v>69.4506013877551</c:v>
-                </c:pt>
-                <c:pt idx="65">
-                  <c:v>58.432328734693797</c:v>
-                </c:pt>
-                <c:pt idx="66">
-                  <c:v>47.3286027959183</c:v>
-                </c:pt>
-                <c:pt idx="67">
-                  <c:v>41.0467977755102</c:v>
-                </c:pt>
-                <c:pt idx="68">
-                  <c:v>29.051056510203999</c:v>
-                </c:pt>
-                <c:pt idx="69">
-                  <c:v>15.5250239314285</c:v>
-                </c:pt>
-                <c:pt idx="70">
-                  <c:v>9.9722494938775501</c:v>
-                </c:pt>
-                <c:pt idx="71">
-                  <c:v>11.7080899163265</c:v>
-                </c:pt>
-                <c:pt idx="72">
-                  <c:v>54.163331612244797</c:v>
-                </c:pt>
-                <c:pt idx="73">
-                  <c:v>92.482068755102006</c:v>
-                </c:pt>
-              </c:numCache>
-            </c:numRef>
-          </c:val>
-          <c:smooth val="0"/>
-          <c:extLst>
-            <c:ext xmlns:c16="http://schemas.microsoft.com/office/drawing/2014/chart" uri="{C3380CC4-5D6E-409C-BE32-E72D297353CC}">
-              <c16:uniqueId val="{00000001-7211-4B35-B559-1E2CD020FEF4}"/>
-            </c:ext>
-          </c:extLst>
-        </c:ser>
-        <c:ser>
-          <c:idx val="4"/>
-          <c:order val="4"/>
-          <c:tx>
-            <c:strRef>
-              <c:f>CHART!$M$4</c:f>
-              <c:strCache>
-                <c:ptCount val="1"/>
-                <c:pt idx="0">
-                  <c:v>MIZORAM</c:v>
-                </c:pt>
-              </c:strCache>
-            </c:strRef>
-          </c:tx>
-          <c:spPr>
-            <a:ln w="22225" cap="rnd" cmpd="sng" algn="ctr">
-              <a:solidFill>
-                <a:schemeClr val="accent6">
-                  <a:lumMod val="60000"/>
-                  <a:lumOff val="40000"/>
-                </a:schemeClr>
-              </a:solidFill>
-              <a:round/>
-            </a:ln>
-            <a:effectLst/>
-          </c:spPr>
-          <c:marker>
-            <c:symbol val="none"/>
-          </c:marker>
-          <c:cat>
-            <c:multiLvlStrRef>
-              <c:f>CHART!$I$5:$J$78</c:f>
-              <c:multiLvlStrCache>
-                <c:ptCount val="74"/>
-                <c:lvl>
-                  <c:pt idx="0">
-                    <c:v>1</c:v>
-                  </c:pt>
-                  <c:pt idx="1">
-                    <c:v>2</c:v>
-                  </c:pt>
-                  <c:pt idx="2">
-                    <c:v>3</c:v>
-                  </c:pt>
-                  <c:pt idx="3">
-                    <c:v>4</c:v>
-                  </c:pt>
-                  <c:pt idx="4">
-                    <c:v>5</c:v>
-                  </c:pt>
-                  <c:pt idx="5">
-                    <c:v>6</c:v>
-                  </c:pt>
-                  <c:pt idx="6">
-                    <c:v>7</c:v>
-                  </c:pt>
-                  <c:pt idx="7">
-                    <c:v>8</c:v>
-                  </c:pt>
-                  <c:pt idx="8">
-                    <c:v>9</c:v>
-                  </c:pt>
-                  <c:pt idx="9">
-                    <c:v>10</c:v>
-                  </c:pt>
-                  <c:pt idx="10">
-                    <c:v>11</c:v>
-                  </c:pt>
-                  <c:pt idx="11">
-                    <c:v>12</c:v>
-                  </c:pt>
-                  <c:pt idx="12">
-                    <c:v>13</c:v>
-                  </c:pt>
-                  <c:pt idx="13">
-                    <c:v>14</c:v>
-                  </c:pt>
-                  <c:pt idx="14">
-                    <c:v>15</c:v>
-                  </c:pt>
-                  <c:pt idx="15">
-                    <c:v>16</c:v>
-                  </c:pt>
-                  <c:pt idx="16">
-                    <c:v>17</c:v>
-                  </c:pt>
-                  <c:pt idx="17">
-                    <c:v>18</c:v>
-                  </c:pt>
-                  <c:pt idx="18">
-                    <c:v>19</c:v>
-                  </c:pt>
-                  <c:pt idx="19">
-                    <c:v>20</c:v>
-                  </c:pt>
-                  <c:pt idx="20">
-                    <c:v>21</c:v>
-                  </c:pt>
-                  <c:pt idx="21">
-                    <c:v>22</c:v>
-                  </c:pt>
-                  <c:pt idx="22">
-                    <c:v>23</c:v>
-                  </c:pt>
-                  <c:pt idx="23">
-                    <c:v>24</c:v>
-                  </c:pt>
-                  <c:pt idx="24">
-                    <c:v>25</c:v>
-                  </c:pt>
-                  <c:pt idx="25">
-                    <c:v>26</c:v>
-                  </c:pt>
-                  <c:pt idx="26">
-                    <c:v>27</c:v>
-                  </c:pt>
-                  <c:pt idx="27">
-                    <c:v>28</c:v>
-                  </c:pt>
-                  <c:pt idx="28">
-                    <c:v>29</c:v>
-                  </c:pt>
-                  <c:pt idx="29">
-                    <c:v>30</c:v>
-                  </c:pt>
-                  <c:pt idx="30">
-                    <c:v>31</c:v>
-                  </c:pt>
-                  <c:pt idx="31">
-                    <c:v>32</c:v>
-                  </c:pt>
-                  <c:pt idx="32">
-                    <c:v>33</c:v>
-                  </c:pt>
-                  <c:pt idx="33">
-                    <c:v>34</c:v>
-                  </c:pt>
-                  <c:pt idx="34">
-                    <c:v>35</c:v>
-                  </c:pt>
-                  <c:pt idx="35">
-                    <c:v>36</c:v>
-                  </c:pt>
-                  <c:pt idx="36">
-                    <c:v>37</c:v>
-                  </c:pt>
-                  <c:pt idx="37">
-                    <c:v>38</c:v>
-                  </c:pt>
-                  <c:pt idx="38">
-                    <c:v>39</c:v>
-                  </c:pt>
-                  <c:pt idx="39">
-                    <c:v>40</c:v>
-                  </c:pt>
-                  <c:pt idx="40">
-                    <c:v>41</c:v>
-                  </c:pt>
-                  <c:pt idx="41">
-                    <c:v>42</c:v>
-                  </c:pt>
-                  <c:pt idx="42">
-                    <c:v>43</c:v>
-                  </c:pt>
-                  <c:pt idx="43">
-                    <c:v>44</c:v>
-                  </c:pt>
-                  <c:pt idx="44">
-                    <c:v>45</c:v>
-                  </c:pt>
-                  <c:pt idx="45">
-                    <c:v>46</c:v>
-                  </c:pt>
-                  <c:pt idx="46">
-                    <c:v>47</c:v>
-                  </c:pt>
-                  <c:pt idx="47">
-                    <c:v>48</c:v>
-                  </c:pt>
-                  <c:pt idx="48">
-                    <c:v>49</c:v>
-                  </c:pt>
-                  <c:pt idx="49">
-                    <c:v>50</c:v>
-                  </c:pt>
-                  <c:pt idx="50">
-                    <c:v>51</c:v>
-                  </c:pt>
-                  <c:pt idx="51">
-                    <c:v>52</c:v>
-                  </c:pt>
-                  <c:pt idx="52">
-                    <c:v>53</c:v>
-                  </c:pt>
-                  <c:pt idx="53">
-                    <c:v>54</c:v>
-                  </c:pt>
-                  <c:pt idx="54">
-                    <c:v>55</c:v>
-                  </c:pt>
-                  <c:pt idx="55">
-                    <c:v>56</c:v>
-                  </c:pt>
-                  <c:pt idx="56">
-                    <c:v>57</c:v>
-                  </c:pt>
-                  <c:pt idx="57">
-                    <c:v>58</c:v>
-                  </c:pt>
-                  <c:pt idx="58">
-                    <c:v>59</c:v>
-                  </c:pt>
-                  <c:pt idx="59">
-                    <c:v>60</c:v>
-                  </c:pt>
-                  <c:pt idx="60">
-                    <c:v>61</c:v>
-                  </c:pt>
-                  <c:pt idx="61">
-                    <c:v>62</c:v>
-                  </c:pt>
-                  <c:pt idx="62">
-                    <c:v>63</c:v>
-                  </c:pt>
-                  <c:pt idx="63">
-                    <c:v>64</c:v>
-                  </c:pt>
-                  <c:pt idx="64">
-                    <c:v>65</c:v>
-                  </c:pt>
-                  <c:pt idx="65">
-                    <c:v>66</c:v>
-                  </c:pt>
-                  <c:pt idx="66">
-                    <c:v>67</c:v>
-                  </c:pt>
-                  <c:pt idx="67">
-                    <c:v>68</c:v>
-                  </c:pt>
-                  <c:pt idx="68">
-                    <c:v>69</c:v>
-                  </c:pt>
-                  <c:pt idx="69">
-                    <c:v>70</c:v>
-                  </c:pt>
-                  <c:pt idx="70">
-                    <c:v>71</c:v>
-                  </c:pt>
-                  <c:pt idx="71">
-                    <c:v>72</c:v>
-                  </c:pt>
-                  <c:pt idx="72">
-                    <c:v>73</c:v>
-                  </c:pt>
-                  <c:pt idx="73">
-                    <c:v>74</c:v>
-                  </c:pt>
-                </c:lvl>
-                <c:lvl>
-                  <c:pt idx="0">
-                    <c:v>Winter</c:v>
-                  </c:pt>
-                  <c:pt idx="13">
-                    <c:v>Summer</c:v>
-                  </c:pt>
-                  <c:pt idx="26">
-                    <c:v>Monsoon</c:v>
-                  </c:pt>
-                  <c:pt idx="39">
-                    <c:v>Post-Monsoon</c:v>
-                  </c:pt>
-                  <c:pt idx="48">
-                    <c:v>Winter</c:v>
-                  </c:pt>
-                </c:lvl>
-              </c:multiLvlStrCache>
-            </c:multiLvlStrRef>
-          </c:cat>
-          <c:val>
-            <c:numRef>
-              <c:f>CHART!$M$5:$M$78</c:f>
-              <c:numCache>
-                <c:formatCode>General</c:formatCode>
-                <c:ptCount val="74"/>
-                <c:pt idx="0">
-                  <c:v>3.9004937925925902</c:v>
-                </c:pt>
-                <c:pt idx="1">
-                  <c:v>4.7235235333333296</c:v>
-                </c:pt>
-                <c:pt idx="2">
-                  <c:v>4.9461236555555503</c:v>
-                </c:pt>
-                <c:pt idx="3">
-                  <c:v>5.3926705481481401</c:v>
-                </c:pt>
-                <c:pt idx="4">
-                  <c:v>7.6629970666666596</c:v>
-                </c:pt>
-                <c:pt idx="5">
-                  <c:v>10.3443798851851</c:v>
-                </c:pt>
-                <c:pt idx="6">
-                  <c:v>11.0248299851851</c:v>
-                </c:pt>
-                <c:pt idx="7">
-                  <c:v>11.4620061444444</c:v>
-                </c:pt>
-                <c:pt idx="8">
-                  <c:v>10.900913614814799</c:v>
-                </c:pt>
-                <c:pt idx="9">
-                  <c:v>4.1686965444444404</c:v>
-                </c:pt>
-                <c:pt idx="10">
-                  <c:v>3.3074541533333299</c:v>
-                </c:pt>
-                <c:pt idx="11">
-                  <c:v>3.0225509399999999</c:v>
-                </c:pt>
-                <c:pt idx="12">
-                  <c:v>13.130386796666601</c:v>
-                </c:pt>
-                <c:pt idx="13">
-                  <c:v>25.739505725925898</c:v>
-                </c:pt>
-                <c:pt idx="14">
-                  <c:v>39.178341977777698</c:v>
-                </c:pt>
-                <c:pt idx="15">
-                  <c:v>32.341608222222199</c:v>
-                </c:pt>
-                <c:pt idx="16">
-                  <c:v>35.440605814814802</c:v>
-                </c:pt>
-                <c:pt idx="17">
-                  <c:v>21.302673674074001</c:v>
-                </c:pt>
-                <c:pt idx="18">
-                  <c:v>9.4022290518518492</c:v>
-                </c:pt>
-                <c:pt idx="19">
-                  <c:v>15.5499988111111</c:v>
-                </c:pt>
-                <c:pt idx="20">
-                  <c:v>24.287373111111101</c:v>
-                </c:pt>
-                <c:pt idx="21">
-                  <c:v>15.5090199807407</c:v>
-                </c:pt>
-                <c:pt idx="22">
-                  <c:v>5.0977022170370301</c:v>
-                </c:pt>
-                <c:pt idx="23">
-                  <c:v>8.67528633444444</c:v>
-                </c:pt>
-                <c:pt idx="24">
-                  <c:v>8.8153327696296202</c:v>
-                </c:pt>
-                <c:pt idx="25">
-                  <c:v>6.7678795985185101</c:v>
-                </c:pt>
-                <c:pt idx="26">
-                  <c:v>5.3611082674074</c:v>
-                </c:pt>
-                <c:pt idx="27">
-                  <c:v>3.0621323314814801</c:v>
-                </c:pt>
-                <c:pt idx="28">
-                  <c:v>3.5470956625925898</c:v>
-                </c:pt>
-                <c:pt idx="29">
-                  <c:v>3.6015781970370302</c:v>
-                </c:pt>
-                <c:pt idx="30">
-                  <c:v>2.7830110237037</c:v>
-                </c:pt>
-                <c:pt idx="31">
-                  <c:v>3.9634077814814801</c:v>
-                </c:pt>
-                <c:pt idx="32">
-                  <c:v>4.7223073740740702</c:v>
-                </c:pt>
-                <c:pt idx="33">
-                  <c:v>2.7912195281481398</c:v>
-                </c:pt>
-                <c:pt idx="34">
-                  <c:v>3.0668081055555501</c:v>
-                </c:pt>
-                <c:pt idx="35">
-                  <c:v>4.9740440614814796</c:v>
-                </c:pt>
-                <c:pt idx="36">
-                  <c:v>6.1517957614814804</c:v>
-                </c:pt>
-                <c:pt idx="37">
-                  <c:v>8.0136855222222199</c:v>
-                </c:pt>
-                <c:pt idx="38">
-                  <c:v>7.6689154544444396</c:v>
-                </c:pt>
-                <c:pt idx="39">
-                  <c:v>10.860245918518499</c:v>
-                </c:pt>
-                <c:pt idx="40">
-                  <c:v>7.3618705622222196</c:v>
-                </c:pt>
-                <c:pt idx="41">
-                  <c:v>6.3988602762962898</c:v>
-                </c:pt>
-                <c:pt idx="42">
-                  <c:v>4.7406848792592502</c:v>
-                </c:pt>
-                <c:pt idx="43">
-                  <c:v>6.89370578296296</c:v>
-                </c:pt>
-                <c:pt idx="44">
-                  <c:v>5.5586969192592601</c:v>
-                </c:pt>
-                <c:pt idx="45">
-                  <c:v>4.2167240770370302</c:v>
-                </c:pt>
-                <c:pt idx="46">
-                  <c:v>17.595549503703701</c:v>
-                </c:pt>
-                <c:pt idx="47">
-                  <c:v>21.1384194</c:v>
-                </c:pt>
-                <c:pt idx="48">
-                  <c:v>21.462596366666599</c:v>
-                </c:pt>
-                <c:pt idx="49">
-                  <c:v>39.326261603703699</c:v>
-                </c:pt>
-                <c:pt idx="50">
-                  <c:v>43.299632407407401</c:v>
-                </c:pt>
-                <c:pt idx="51">
-                  <c:v>42.253208618518499</c:v>
-                </c:pt>
-                <c:pt idx="52">
-                  <c:v>41.788890259259198</c:v>
-                </c:pt>
-                <c:pt idx="53">
-                  <c:v>40.614930777777701</c:v>
-                </c:pt>
-                <c:pt idx="54">
-                  <c:v>38.8148367777777</c:v>
-                </c:pt>
-                <c:pt idx="55">
-                  <c:v>38.175020777777704</c:v>
-                </c:pt>
-                <c:pt idx="56">
-                  <c:v>41.018721999999997</c:v>
-                </c:pt>
-                <c:pt idx="57">
-                  <c:v>45.075204555555501</c:v>
-                </c:pt>
-                <c:pt idx="58">
-                  <c:v>46.4492388888888</c:v>
-                </c:pt>
-                <c:pt idx="59">
-                  <c:v>45.631913222222202</c:v>
-                </c:pt>
-                <c:pt idx="60">
-                  <c:v>50.696910259259198</c:v>
-                </c:pt>
-                <c:pt idx="61">
-                  <c:v>48.889398518518497</c:v>
-                </c:pt>
-                <c:pt idx="62">
-                  <c:v>49.4599253703703</c:v>
-                </c:pt>
-                <c:pt idx="63">
-                  <c:v>47.119063407407403</c:v>
-                </c:pt>
-                <c:pt idx="64">
-                  <c:v>52.806555037037</c:v>
-                </c:pt>
-                <c:pt idx="65">
-                  <c:v>49.976070925925903</c:v>
-                </c:pt>
-                <c:pt idx="66">
-                  <c:v>54.866644925925897</c:v>
-                </c:pt>
-                <c:pt idx="67">
-                  <c:v>46.708520037036998</c:v>
-                </c:pt>
-                <c:pt idx="68">
-                  <c:v>45.8730824444444</c:v>
-                </c:pt>
-                <c:pt idx="69">
-                  <c:v>36.453937555555498</c:v>
-                </c:pt>
-                <c:pt idx="70">
-                  <c:v>40.015414999999997</c:v>
-                </c:pt>
-                <c:pt idx="71">
-                  <c:v>44.246283185185099</c:v>
-                </c:pt>
-                <c:pt idx="72">
-                  <c:v>37.798840481481399</c:v>
-                </c:pt>
-                <c:pt idx="73">
-                  <c:v>28.298864607407399</c:v>
-                </c:pt>
-              </c:numCache>
-            </c:numRef>
-          </c:val>
-          <c:smooth val="0"/>
-          <c:extLst>
-            <c:ext xmlns:c16="http://schemas.microsoft.com/office/drawing/2014/chart" uri="{C3380CC4-5D6E-409C-BE32-E72D297353CC}">
-              <c16:uniqueId val="{00000002-7211-4B35-B559-1E2CD020FEF4}"/>
-            </c:ext>
-          </c:extLst>
-        </c:ser>
-        <c:ser>
-          <c:idx val="5"/>
-          <c:order val="5"/>
-          <c:tx>
-            <c:strRef>
-              <c:f>CHART!$N$4</c:f>
-              <c:strCache>
-                <c:ptCount val="1"/>
-                <c:pt idx="0">
-                  <c:v>TAMIL NADU</c:v>
-                </c:pt>
-              </c:strCache>
-            </c:strRef>
-          </c:tx>
-          <c:spPr>
-            <a:ln w="22225" cap="rnd" cmpd="sng" algn="ctr">
-              <a:solidFill>
-                <a:schemeClr val="accent6">
-                  <a:lumMod val="60000"/>
-                </a:schemeClr>
-              </a:solidFill>
-              <a:round/>
-            </a:ln>
-            <a:effectLst/>
-          </c:spPr>
-          <c:marker>
-            <c:symbol val="none"/>
-          </c:marker>
-          <c:cat>
-            <c:multiLvlStrRef>
-              <c:f>CHART!$I$5:$J$78</c:f>
-              <c:multiLvlStrCache>
-                <c:ptCount val="74"/>
-                <c:lvl>
-                  <c:pt idx="0">
-                    <c:v>1</c:v>
-                  </c:pt>
-                  <c:pt idx="1">
-                    <c:v>2</c:v>
-                  </c:pt>
-                  <c:pt idx="2">
-                    <c:v>3</c:v>
-                  </c:pt>
-                  <c:pt idx="3">
-                    <c:v>4</c:v>
-                  </c:pt>
-                  <c:pt idx="4">
-                    <c:v>5</c:v>
-                  </c:pt>
-                  <c:pt idx="5">
-                    <c:v>6</c:v>
-                  </c:pt>
-                  <c:pt idx="6">
-                    <c:v>7</c:v>
-                  </c:pt>
-                  <c:pt idx="7">
-                    <c:v>8</c:v>
-                  </c:pt>
-                  <c:pt idx="8">
-                    <c:v>9</c:v>
-                  </c:pt>
-                  <c:pt idx="9">
-                    <c:v>10</c:v>
-                  </c:pt>
-                  <c:pt idx="10">
-                    <c:v>11</c:v>
-                  </c:pt>
-                  <c:pt idx="11">
-                    <c:v>12</c:v>
-                  </c:pt>
-                  <c:pt idx="12">
-                    <c:v>13</c:v>
-                  </c:pt>
-                  <c:pt idx="13">
-                    <c:v>14</c:v>
-                  </c:pt>
-                  <c:pt idx="14">
-                    <c:v>15</c:v>
-                  </c:pt>
-                  <c:pt idx="15">
-                    <c:v>16</c:v>
-                  </c:pt>
-                  <c:pt idx="16">
-                    <c:v>17</c:v>
-                  </c:pt>
-                  <c:pt idx="17">
-                    <c:v>18</c:v>
-                  </c:pt>
-                  <c:pt idx="18">
-                    <c:v>19</c:v>
-                  </c:pt>
-                  <c:pt idx="19">
-                    <c:v>20</c:v>
-                  </c:pt>
-                  <c:pt idx="20">
-                    <c:v>21</c:v>
-                  </c:pt>
-                  <c:pt idx="21">
-                    <c:v>22</c:v>
-                  </c:pt>
-                  <c:pt idx="22">
-                    <c:v>23</c:v>
-                  </c:pt>
-                  <c:pt idx="23">
-                    <c:v>24</c:v>
-                  </c:pt>
-                  <c:pt idx="24">
-                    <c:v>25</c:v>
-                  </c:pt>
-                  <c:pt idx="25">
-                    <c:v>26</c:v>
-                  </c:pt>
-                  <c:pt idx="26">
-                    <c:v>27</c:v>
-                  </c:pt>
-                  <c:pt idx="27">
-                    <c:v>28</c:v>
-                  </c:pt>
-                  <c:pt idx="28">
-                    <c:v>29</c:v>
-                  </c:pt>
-                  <c:pt idx="29">
-                    <c:v>30</c:v>
-                  </c:pt>
-                  <c:pt idx="30">
-                    <c:v>31</c:v>
-                  </c:pt>
-                  <c:pt idx="31">
-                    <c:v>32</c:v>
-                  </c:pt>
-                  <c:pt idx="32">
-                    <c:v>33</c:v>
-                  </c:pt>
-                  <c:pt idx="33">
-                    <c:v>34</c:v>
-                  </c:pt>
-                  <c:pt idx="34">
-                    <c:v>35</c:v>
-                  </c:pt>
-                  <c:pt idx="35">
-                    <c:v>36</c:v>
-                  </c:pt>
-                  <c:pt idx="36">
-                    <c:v>37</c:v>
-                  </c:pt>
-                  <c:pt idx="37">
-                    <c:v>38</c:v>
-                  </c:pt>
-                  <c:pt idx="38">
-                    <c:v>39</c:v>
-                  </c:pt>
-                  <c:pt idx="39">
-                    <c:v>40</c:v>
-                  </c:pt>
-                  <c:pt idx="40">
-                    <c:v>41</c:v>
-                  </c:pt>
-                  <c:pt idx="41">
-                    <c:v>42</c:v>
-                  </c:pt>
-                  <c:pt idx="42">
-                    <c:v>43</c:v>
-                  </c:pt>
-                  <c:pt idx="43">
-                    <c:v>44</c:v>
-                  </c:pt>
-                  <c:pt idx="44">
-                    <c:v>45</c:v>
-                  </c:pt>
-                  <c:pt idx="45">
-                    <c:v>46</c:v>
-                  </c:pt>
-                  <c:pt idx="46">
-                    <c:v>47</c:v>
-                  </c:pt>
-                  <c:pt idx="47">
-                    <c:v>48</c:v>
-                  </c:pt>
-                  <c:pt idx="48">
-                    <c:v>49</c:v>
-                  </c:pt>
-                  <c:pt idx="49">
-                    <c:v>50</c:v>
-                  </c:pt>
-                  <c:pt idx="50">
-                    <c:v>51</c:v>
-                  </c:pt>
-                  <c:pt idx="51">
-                    <c:v>52</c:v>
-                  </c:pt>
-                  <c:pt idx="52">
-                    <c:v>53</c:v>
-                  </c:pt>
-                  <c:pt idx="53">
-                    <c:v>54</c:v>
-                  </c:pt>
-                  <c:pt idx="54">
-                    <c:v>55</c:v>
-                  </c:pt>
-                  <c:pt idx="55">
-                    <c:v>56</c:v>
-                  </c:pt>
-                  <c:pt idx="56">
-                    <c:v>57</c:v>
-                  </c:pt>
-                  <c:pt idx="57">
-                    <c:v>58</c:v>
-                  </c:pt>
-                  <c:pt idx="58">
-                    <c:v>59</c:v>
-                  </c:pt>
-                  <c:pt idx="59">
-                    <c:v>60</c:v>
-                  </c:pt>
-                  <c:pt idx="60">
-                    <c:v>61</c:v>
-                  </c:pt>
-                  <c:pt idx="61">
-                    <c:v>62</c:v>
-                  </c:pt>
-                  <c:pt idx="62">
-                    <c:v>63</c:v>
-                  </c:pt>
-                  <c:pt idx="63">
-                    <c:v>64</c:v>
-                  </c:pt>
-                  <c:pt idx="64">
-                    <c:v>65</c:v>
-                  </c:pt>
-                  <c:pt idx="65">
-                    <c:v>66</c:v>
-                  </c:pt>
-                  <c:pt idx="66">
-                    <c:v>67</c:v>
-                  </c:pt>
-                  <c:pt idx="67">
-                    <c:v>68</c:v>
-                  </c:pt>
-                  <c:pt idx="68">
-                    <c:v>69</c:v>
-                  </c:pt>
-                  <c:pt idx="69">
-                    <c:v>70</c:v>
-                  </c:pt>
-                  <c:pt idx="70">
-                    <c:v>71</c:v>
-                  </c:pt>
-                  <c:pt idx="71">
-                    <c:v>72</c:v>
-                  </c:pt>
-                  <c:pt idx="72">
-                    <c:v>73</c:v>
-                  </c:pt>
-                  <c:pt idx="73">
-                    <c:v>74</c:v>
-                  </c:pt>
-                </c:lvl>
-                <c:lvl>
-                  <c:pt idx="0">
-                    <c:v>Winter</c:v>
-                  </c:pt>
-                  <c:pt idx="13">
-                    <c:v>Summer</c:v>
-                  </c:pt>
-                  <c:pt idx="26">
-                    <c:v>Monsoon</c:v>
-                  </c:pt>
-                  <c:pt idx="39">
-                    <c:v>Post-Monsoon</c:v>
-                  </c:pt>
-                  <c:pt idx="48">
-                    <c:v>Winter</c:v>
-                  </c:pt>
-                </c:lvl>
-              </c:multiLvlStrCache>
-            </c:multiLvlStrRef>
-          </c:cat>
-          <c:val>
-            <c:numRef>
-              <c:f>CHART!$N$5:$N$78</c:f>
-              <c:numCache>
-                <c:formatCode>General</c:formatCode>
-                <c:ptCount val="74"/>
-                <c:pt idx="0">
-                  <c:v>60.209901217455602</c:v>
-                </c:pt>
-                <c:pt idx="1">
-                  <c:v>59.0595186558579</c:v>
-                </c:pt>
-                <c:pt idx="2">
-                  <c:v>57.474519493964401</c:v>
-                </c:pt>
-                <c:pt idx="3">
-                  <c:v>56.505682000236597</c:v>
-                </c:pt>
-                <c:pt idx="4">
-                  <c:v>59.2138954178698</c:v>
-                </c:pt>
-                <c:pt idx="5">
-                  <c:v>65.841100612426004</c:v>
-                </c:pt>
-                <c:pt idx="6">
-                  <c:v>67.011625802366794</c:v>
-                </c:pt>
-                <c:pt idx="7">
-                  <c:v>63.974916295502901</c:v>
-                </c:pt>
-                <c:pt idx="8">
-                  <c:v>59.270120848757301</c:v>
-                </c:pt>
-                <c:pt idx="9">
-                  <c:v>57.017945560355002</c:v>
-                </c:pt>
-                <c:pt idx="10">
-                  <c:v>56.036967222721799</c:v>
-                </c:pt>
-                <c:pt idx="11">
-                  <c:v>55.353477229585799</c:v>
-                </c:pt>
-                <c:pt idx="12">
-                  <c:v>58.838966656804701</c:v>
-                </c:pt>
-                <c:pt idx="13">
-                  <c:v>59.944235686390499</c:v>
-                </c:pt>
-                <c:pt idx="14">
-                  <c:v>60.017924923076897</c:v>
-                </c:pt>
-                <c:pt idx="15">
-                  <c:v>58.092750266272098</c:v>
-                </c:pt>
-                <c:pt idx="16">
-                  <c:v>55.044961855029499</c:v>
-                </c:pt>
-                <c:pt idx="17">
-                  <c:v>55.152548288757302</c:v>
-                </c:pt>
-                <c:pt idx="18">
-                  <c:v>72.617476266272106</c:v>
-                </c:pt>
-                <c:pt idx="19">
-                  <c:v>77.722508307692294</c:v>
-                </c:pt>
-                <c:pt idx="20">
-                  <c:v>75.778896585798805</c:v>
-                </c:pt>
-                <c:pt idx="21">
-                  <c:v>73.915587988165598</c:v>
-                </c:pt>
-                <c:pt idx="22">
-                  <c:v>70.487379970414196</c:v>
-                </c:pt>
-                <c:pt idx="23">
-                  <c:v>64.661469091715901</c:v>
-                </c:pt>
-                <c:pt idx="24">
-                  <c:v>57.261822664260301</c:v>
-                </c:pt>
-                <c:pt idx="25">
-                  <c:v>54.676479036449699</c:v>
-                </c:pt>
-                <c:pt idx="26">
-                  <c:v>54.399928517988101</c:v>
-                </c:pt>
-                <c:pt idx="27">
-                  <c:v>69.109153404733703</c:v>
-                </c:pt>
-                <c:pt idx="28">
-                  <c:v>70.497165289349098</c:v>
-                </c:pt>
-                <c:pt idx="29">
-                  <c:v>63.729582030177497</c:v>
-                </c:pt>
-                <c:pt idx="30">
-                  <c:v>56.200821434911198</c:v>
-                </c:pt>
-                <c:pt idx="31">
-                  <c:v>51.177975443195201</c:v>
-                </c:pt>
-                <c:pt idx="32">
-                  <c:v>49.599745617396401</c:v>
-                </c:pt>
-                <c:pt idx="33">
-                  <c:v>43.705052880473303</c:v>
-                </c:pt>
-                <c:pt idx="34">
-                  <c:v>36.953332749349102</c:v>
-                </c:pt>
-                <c:pt idx="35">
-                  <c:v>40.413096930414198</c:v>
-                </c:pt>
-                <c:pt idx="36">
-                  <c:v>45.280001532781</c:v>
-                </c:pt>
-                <c:pt idx="37">
-                  <c:v>44.717398902011801</c:v>
-                </c:pt>
-                <c:pt idx="38">
-                  <c:v>50.5258715449704</c:v>
-                </c:pt>
-                <c:pt idx="39">
-                  <c:v>54.688371284023603</c:v>
-                </c:pt>
-                <c:pt idx="40">
-                  <c:v>50.468807573964497</c:v>
-                </c:pt>
-                <c:pt idx="41">
-                  <c:v>50.086100153846097</c:v>
-                </c:pt>
-                <c:pt idx="42">
-                  <c:v>46.560695881656798</c:v>
-                </c:pt>
-                <c:pt idx="43">
-                  <c:v>35.099711023668597</c:v>
-                </c:pt>
-                <c:pt idx="44">
-                  <c:v>35.201742814792901</c:v>
-                </c:pt>
-                <c:pt idx="45">
-                  <c:v>41.098400740236599</c:v>
-                </c:pt>
-                <c:pt idx="46">
-                  <c:v>46.796958079289901</c:v>
-                </c:pt>
-                <c:pt idx="47">
-                  <c:v>54.916668940236598</c:v>
-                </c:pt>
-                <c:pt idx="48">
-                  <c:v>55.623043627810603</c:v>
-                </c:pt>
-                <c:pt idx="49">
-                  <c:v>54.625150879881602</c:v>
-                </c:pt>
-                <c:pt idx="50">
-                  <c:v>52.426640850295797</c:v>
-                </c:pt>
-                <c:pt idx="51">
-                  <c:v>51.657819509467402</c:v>
-                </c:pt>
-                <c:pt idx="52">
-                  <c:v>44.258093126390499</c:v>
-                </c:pt>
-                <c:pt idx="53">
-                  <c:v>46.0589974284023</c:v>
-                </c:pt>
-                <c:pt idx="54">
-                  <c:v>62.441434789349103</c:v>
-                </c:pt>
-                <c:pt idx="55">
-                  <c:v>64.364448205325402</c:v>
-                </c:pt>
-                <c:pt idx="56">
-                  <c:v>64.557339162721803</c:v>
-                </c:pt>
-                <c:pt idx="57">
-                  <c:v>67.508985822485201</c:v>
-                </c:pt>
-                <c:pt idx="58">
-                  <c:v>65.001622272189294</c:v>
-                </c:pt>
-                <c:pt idx="59">
-                  <c:v>62.066834556213003</c:v>
-                </c:pt>
-                <c:pt idx="60">
-                  <c:v>58.688121147928896</c:v>
-                </c:pt>
-                <c:pt idx="61">
-                  <c:v>51.922544507100497</c:v>
-                </c:pt>
-                <c:pt idx="62">
-                  <c:v>51.864483415384598</c:v>
-                </c:pt>
-                <c:pt idx="63">
-                  <c:v>46.001309600591703</c:v>
-                </c:pt>
-                <c:pt idx="64">
-                  <c:v>41.325466742011798</c:v>
-                </c:pt>
-                <c:pt idx="65">
-                  <c:v>40.468040159763298</c:v>
-                </c:pt>
-                <c:pt idx="66">
-                  <c:v>35.224167878698204</c:v>
-                </c:pt>
-                <c:pt idx="67">
-                  <c:v>30.494435052071001</c:v>
-                </c:pt>
-                <c:pt idx="68">
-                  <c:v>25.8222550414201</c:v>
-                </c:pt>
-                <c:pt idx="69">
-                  <c:v>18.8170248822485</c:v>
-                </c:pt>
-                <c:pt idx="70">
-                  <c:v>10.242171075147899</c:v>
-                </c:pt>
-                <c:pt idx="71">
-                  <c:v>7.7638814795266198</c:v>
-                </c:pt>
-                <c:pt idx="72">
-                  <c:v>34.414838670414198</c:v>
-                </c:pt>
-                <c:pt idx="73">
-                  <c:v>89.645922420118296</c:v>
-                </c:pt>
-              </c:numCache>
-            </c:numRef>
-          </c:val>
-          <c:smooth val="0"/>
-          <c:extLst>
-            <c:ext xmlns:c16="http://schemas.microsoft.com/office/drawing/2014/chart" uri="{C3380CC4-5D6E-409C-BE32-E72D297353CC}">
-              <c16:uniqueId val="{00000003-7211-4B35-B559-1E2CD020FEF4}"/>
-            </c:ext>
-          </c:extLst>
-        </c:ser>
-        <c:dLbls>
-          <c:showLegendKey val="0"/>
-          <c:showVal val="0"/>
-          <c:showCatName val="0"/>
-          <c:showSerName val="0"/>
-          <c:showPercent val="0"/>
-          <c:showBubbleSize val="0"/>
-        </c:dLbls>
-        <c:dropLines>
-          <c:spPr>
-            <a:ln w="9525" cap="flat" cmpd="sng" algn="ctr">
-              <a:solidFill>
-                <a:schemeClr val="dk1">
-                  <a:lumMod val="35000"/>
-                  <a:lumOff val="65000"/>
-                  <a:alpha val="33000"/>
-                </a:schemeClr>
-              </a:solidFill>
-              <a:round/>
-            </a:ln>
-            <a:effectLst/>
-          </c:spPr>
-        </c:dropLines>
-        <c:smooth val="0"/>
-        <c:axId val="905425440"/>
-        <c:axId val="905429280"/>
-        <c:extLst>
-          <c:ext xmlns:c15="http://schemas.microsoft.com/office/drawing/2012/chart" uri="{02D57815-91ED-43cb-92C2-25804820EDAC}">
-            <c15:filteredLineSeries>
-              <c15:ser>
-                <c:idx val="0"/>
-                <c:order val="0"/>
-                <c:tx>
-                  <c:strRef>
-                    <c:extLst>
-                      <c:ext uri="{02D57815-91ED-43cb-92C2-25804820EDAC}">
-                        <c15:formulaRef>
-                          <c15:sqref>CHART!$I$4</c15:sqref>
-                        </c15:formulaRef>
-                      </c:ext>
-                    </c:extLst>
-                    <c:strCache>
-                      <c:ptCount val="1"/>
-                      <c:pt idx="0">
-                        <c:v>season</c:v>
-                      </c:pt>
-                    </c:strCache>
-                  </c:strRef>
-                </c:tx>
-                <c:spPr>
-                  <a:ln w="22225" cap="rnd" cmpd="sng" algn="ctr">
-                    <a:solidFill>
-                      <a:schemeClr val="accent2"/>
-                    </a:solidFill>
-                    <a:round/>
-                  </a:ln>
-                  <a:effectLst/>
-                </c:spPr>
-                <c:marker>
-                  <c:symbol val="none"/>
-                </c:marker>
-                <c:cat>
-                  <c:multiLvlStrRef>
-                    <c:extLst>
-                      <c:ext uri="{02D57815-91ED-43cb-92C2-25804820EDAC}">
-                        <c15:formulaRef>
-                          <c15:sqref>CHART!$I$5:$J$78</c15:sqref>
-                        </c15:formulaRef>
-                      </c:ext>
-                    </c:extLst>
-                    <c:multiLvlStrCache>
-                      <c:ptCount val="74"/>
-                      <c:lvl>
-                        <c:pt idx="0">
-                          <c:v>1</c:v>
-                        </c:pt>
-                        <c:pt idx="1">
-                          <c:v>2</c:v>
-                        </c:pt>
-                        <c:pt idx="2">
-                          <c:v>3</c:v>
-                        </c:pt>
-                        <c:pt idx="3">
-                          <c:v>4</c:v>
-                        </c:pt>
-                        <c:pt idx="4">
-                          <c:v>5</c:v>
-                        </c:pt>
-                        <c:pt idx="5">
-                          <c:v>6</c:v>
-                        </c:pt>
-                        <c:pt idx="6">
-                          <c:v>7</c:v>
-                        </c:pt>
-                        <c:pt idx="7">
-                          <c:v>8</c:v>
-                        </c:pt>
-                        <c:pt idx="8">
-                          <c:v>9</c:v>
-                        </c:pt>
-                        <c:pt idx="9">
-                          <c:v>10</c:v>
-                        </c:pt>
-                        <c:pt idx="10">
-                          <c:v>11</c:v>
-                        </c:pt>
-                        <c:pt idx="11">
-                          <c:v>12</c:v>
-                        </c:pt>
-                        <c:pt idx="12">
-                          <c:v>13</c:v>
-                        </c:pt>
-                        <c:pt idx="13">
-                          <c:v>14</c:v>
-                        </c:pt>
-                        <c:pt idx="14">
-                          <c:v>15</c:v>
-                        </c:pt>
-                        <c:pt idx="15">
-                          <c:v>16</c:v>
-                        </c:pt>
-                        <c:pt idx="16">
-                          <c:v>17</c:v>
-                        </c:pt>
-                        <c:pt idx="17">
-                          <c:v>18</c:v>
-                        </c:pt>
-                        <c:pt idx="18">
-                          <c:v>19</c:v>
-                        </c:pt>
-                        <c:pt idx="19">
-                          <c:v>20</c:v>
-                        </c:pt>
-                        <c:pt idx="20">
-                          <c:v>21</c:v>
-                        </c:pt>
-                        <c:pt idx="21">
-                          <c:v>22</c:v>
-                        </c:pt>
-                        <c:pt idx="22">
-                          <c:v>23</c:v>
-                        </c:pt>
-                        <c:pt idx="23">
-                          <c:v>24</c:v>
-                        </c:pt>
-                        <c:pt idx="24">
-                          <c:v>25</c:v>
-                        </c:pt>
-                        <c:pt idx="25">
-                          <c:v>26</c:v>
-                        </c:pt>
-                        <c:pt idx="26">
-                          <c:v>27</c:v>
-                        </c:pt>
-                        <c:pt idx="27">
-                          <c:v>28</c:v>
-                        </c:pt>
-                        <c:pt idx="28">
-                          <c:v>29</c:v>
-                        </c:pt>
-                        <c:pt idx="29">
-                          <c:v>30</c:v>
-                        </c:pt>
-                        <c:pt idx="30">
-                          <c:v>31</c:v>
-                        </c:pt>
-                        <c:pt idx="31">
-                          <c:v>32</c:v>
-                        </c:pt>
-                        <c:pt idx="32">
-                          <c:v>33</c:v>
-                        </c:pt>
-                        <c:pt idx="33">
-                          <c:v>34</c:v>
-                        </c:pt>
-                        <c:pt idx="34">
-                          <c:v>35</c:v>
-                        </c:pt>
-                        <c:pt idx="35">
-                          <c:v>36</c:v>
-                        </c:pt>
-                        <c:pt idx="36">
-                          <c:v>37</c:v>
-                        </c:pt>
-                        <c:pt idx="37">
-                          <c:v>38</c:v>
-                        </c:pt>
-                        <c:pt idx="38">
-                          <c:v>39</c:v>
-                        </c:pt>
-                        <c:pt idx="39">
-                          <c:v>40</c:v>
-                        </c:pt>
-                        <c:pt idx="40">
-                          <c:v>41</c:v>
-                        </c:pt>
-                        <c:pt idx="41">
-                          <c:v>42</c:v>
-                        </c:pt>
-                        <c:pt idx="42">
-                          <c:v>43</c:v>
-                        </c:pt>
-                        <c:pt idx="43">
-                          <c:v>44</c:v>
-                        </c:pt>
-                        <c:pt idx="44">
-                          <c:v>45</c:v>
-                        </c:pt>
-                        <c:pt idx="45">
-                          <c:v>46</c:v>
-                        </c:pt>
-                        <c:pt idx="46">
-                          <c:v>47</c:v>
-                        </c:pt>
-                        <c:pt idx="47">
-                          <c:v>48</c:v>
-                        </c:pt>
-                        <c:pt idx="48">
-                          <c:v>49</c:v>
-                        </c:pt>
-                        <c:pt idx="49">
-                          <c:v>50</c:v>
-                        </c:pt>
-                        <c:pt idx="50">
-                          <c:v>51</c:v>
-                        </c:pt>
-                        <c:pt idx="51">
-                          <c:v>52</c:v>
-                        </c:pt>
-                        <c:pt idx="52">
-                          <c:v>53</c:v>
-                        </c:pt>
-                        <c:pt idx="53">
-                          <c:v>54</c:v>
-                        </c:pt>
-                        <c:pt idx="54">
-                          <c:v>55</c:v>
-                        </c:pt>
-                        <c:pt idx="55">
-                          <c:v>56</c:v>
-                        </c:pt>
-                        <c:pt idx="56">
-                          <c:v>57</c:v>
-                        </c:pt>
-                        <c:pt idx="57">
-                          <c:v>58</c:v>
-                        </c:pt>
-                        <c:pt idx="58">
-                          <c:v>59</c:v>
-                        </c:pt>
-                        <c:pt idx="59">
-                          <c:v>60</c:v>
-                        </c:pt>
-                        <c:pt idx="60">
-                          <c:v>61</c:v>
-                        </c:pt>
-                        <c:pt idx="61">
-                          <c:v>62</c:v>
-                        </c:pt>
-                        <c:pt idx="62">
-                          <c:v>63</c:v>
-                        </c:pt>
-                        <c:pt idx="63">
-                          <c:v>64</c:v>
-                        </c:pt>
-                        <c:pt idx="64">
-                          <c:v>65</c:v>
-                        </c:pt>
-                        <c:pt idx="65">
-                          <c:v>66</c:v>
-                        </c:pt>
-                        <c:pt idx="66">
-                          <c:v>67</c:v>
-                        </c:pt>
-                        <c:pt idx="67">
-                          <c:v>68</c:v>
-                        </c:pt>
-                        <c:pt idx="68">
-                          <c:v>69</c:v>
-                        </c:pt>
-                        <c:pt idx="69">
-                          <c:v>70</c:v>
-                        </c:pt>
-                        <c:pt idx="70">
-                          <c:v>71</c:v>
-                        </c:pt>
-                        <c:pt idx="71">
-                          <c:v>72</c:v>
-                        </c:pt>
-                        <c:pt idx="72">
-                          <c:v>73</c:v>
-                        </c:pt>
-                        <c:pt idx="73">
-                          <c:v>74</c:v>
-                        </c:pt>
-                      </c:lvl>
-                      <c:lvl>
-                        <c:pt idx="0">
-                          <c:v>Winter</c:v>
-                        </c:pt>
-                        <c:pt idx="13">
-                          <c:v>Summer</c:v>
-                        </c:pt>
-                        <c:pt idx="26">
-                          <c:v>Monsoon</c:v>
-                        </c:pt>
-                        <c:pt idx="39">
-                          <c:v>Post-Monsoon</c:v>
-                        </c:pt>
-                        <c:pt idx="48">
-                          <c:v>Winter</c:v>
-                        </c:pt>
-                      </c:lvl>
-                    </c:multiLvlStrCache>
-                  </c:multiLvlStrRef>
-                </c:cat>
-                <c:val>
-                  <c:numRef>
-                    <c:extLst>
-                      <c:ext uri="{02D57815-91ED-43cb-92C2-25804820EDAC}">
-                        <c15:formulaRef>
-                          <c15:sqref>CHART!$I$5:$I$78</c15:sqref>
-                        </c15:formulaRef>
-                      </c:ext>
-                    </c:extLst>
-                    <c:numCache>
-                      <c:formatCode>General</c:formatCode>
-                      <c:ptCount val="74"/>
-                      <c:pt idx="0">
-                        <c:v>0</c:v>
-                      </c:pt>
-                      <c:pt idx="13">
-                        <c:v>0</c:v>
-                      </c:pt>
-                      <c:pt idx="26">
-                        <c:v>0</c:v>
-                      </c:pt>
-                      <c:pt idx="39">
-                        <c:v>0</c:v>
-                      </c:pt>
-                      <c:pt idx="48">
-                        <c:v>0</c:v>
-                      </c:pt>
-                    </c:numCache>
-                  </c:numRef>
-                </c:val>
-                <c:smooth val="0"/>
-                <c:extLst>
-                  <c:ext xmlns:c16="http://schemas.microsoft.com/office/drawing/2014/chart" uri="{C3380CC4-5D6E-409C-BE32-E72D297353CC}">
-                    <c16:uniqueId val="{00000004-7211-4B35-B559-1E2CD020FEF4}"/>
-                  </c:ext>
-                </c:extLst>
-              </c15:ser>
-            </c15:filteredLineSeries>
-            <c15:filteredLineSeries>
-              <c15:ser>
-                <c:idx val="1"/>
-                <c:order val="1"/>
-                <c:tx>
-                  <c:strRef>
-                    <c:extLst xmlns:c15="http://schemas.microsoft.com/office/drawing/2012/chart">
-                      <c:ext xmlns:c15="http://schemas.microsoft.com/office/drawing/2012/chart" uri="{02D57815-91ED-43cb-92C2-25804820EDAC}">
-                        <c15:formulaRef>
-                          <c15:sqref>CHART!$J$4</c15:sqref>
-                        </c15:formulaRef>
-                      </c:ext>
-                    </c:extLst>
-                    <c:strCache>
-                      <c:ptCount val="1"/>
-                      <c:pt idx="0">
-                        <c:v>week_no</c:v>
-                      </c:pt>
-                    </c:strCache>
-                  </c:strRef>
-                </c:tx>
-                <c:spPr>
-                  <a:ln w="22225" cap="rnd" cmpd="sng" algn="ctr">
-                    <a:solidFill>
-                      <a:schemeClr val="accent4"/>
-                    </a:solidFill>
-                    <a:round/>
-                  </a:ln>
-                  <a:effectLst/>
-                </c:spPr>
-                <c:marker>
-                  <c:symbol val="none"/>
-                </c:marker>
-                <c:cat>
-                  <c:multiLvlStrRef>
-                    <c:extLst xmlns:c15="http://schemas.microsoft.com/office/drawing/2012/chart">
-                      <c:ext xmlns:c15="http://schemas.microsoft.com/office/drawing/2012/chart" uri="{02D57815-91ED-43cb-92C2-25804820EDAC}">
-                        <c15:formulaRef>
-                          <c15:sqref>CHART!$I$5:$J$78</c15:sqref>
-                        </c15:formulaRef>
-                      </c:ext>
-                    </c:extLst>
-                    <c:multiLvlStrCache>
-                      <c:ptCount val="74"/>
-                      <c:lvl>
-                        <c:pt idx="0">
-                          <c:v>1</c:v>
-                        </c:pt>
-                        <c:pt idx="1">
-                          <c:v>2</c:v>
-                        </c:pt>
-                        <c:pt idx="2">
-                          <c:v>3</c:v>
-                        </c:pt>
-                        <c:pt idx="3">
-                          <c:v>4</c:v>
-                        </c:pt>
-                        <c:pt idx="4">
-                          <c:v>5</c:v>
-                        </c:pt>
-                        <c:pt idx="5">
-                          <c:v>6</c:v>
-                        </c:pt>
-                        <c:pt idx="6">
-                          <c:v>7</c:v>
-                        </c:pt>
-                        <c:pt idx="7">
-                          <c:v>8</c:v>
-                        </c:pt>
-                        <c:pt idx="8">
-                          <c:v>9</c:v>
-                        </c:pt>
-                        <c:pt idx="9">
-                          <c:v>10</c:v>
-                        </c:pt>
-                        <c:pt idx="10">
-                          <c:v>11</c:v>
-                        </c:pt>
-                        <c:pt idx="11">
-                          <c:v>12</c:v>
-                        </c:pt>
-                        <c:pt idx="12">
-                          <c:v>13</c:v>
-                        </c:pt>
-                        <c:pt idx="13">
-                          <c:v>14</c:v>
-                        </c:pt>
-                        <c:pt idx="14">
-                          <c:v>15</c:v>
-                        </c:pt>
-                        <c:pt idx="15">
-                          <c:v>16</c:v>
-                        </c:pt>
-                        <c:pt idx="16">
-                          <c:v>17</c:v>
-                        </c:pt>
-                        <c:pt idx="17">
-                          <c:v>18</c:v>
-                        </c:pt>
-                        <c:pt idx="18">
-                          <c:v>19</c:v>
-                        </c:pt>
-                        <c:pt idx="19">
-                          <c:v>20</c:v>
-                        </c:pt>
-                        <c:pt idx="20">
-                          <c:v>21</c:v>
-                        </c:pt>
-                        <c:pt idx="21">
-                          <c:v>22</c:v>
-                        </c:pt>
-                        <c:pt idx="22">
-                          <c:v>23</c:v>
-                        </c:pt>
-                        <c:pt idx="23">
-                          <c:v>24</c:v>
-                        </c:pt>
-                        <c:pt idx="24">
-                          <c:v>25</c:v>
-                        </c:pt>
-                        <c:pt idx="25">
-                          <c:v>26</c:v>
-                        </c:pt>
-                        <c:pt idx="26">
-                          <c:v>27</c:v>
-                        </c:pt>
-                        <c:pt idx="27">
-                          <c:v>28</c:v>
-                        </c:pt>
-                        <c:pt idx="28">
-                          <c:v>29</c:v>
-                        </c:pt>
-                        <c:pt idx="29">
-                          <c:v>30</c:v>
-                        </c:pt>
-                        <c:pt idx="30">
-                          <c:v>31</c:v>
-                        </c:pt>
-                        <c:pt idx="31">
-                          <c:v>32</c:v>
-                        </c:pt>
-                        <c:pt idx="32">
-                          <c:v>33</c:v>
-                        </c:pt>
-                        <c:pt idx="33">
-                          <c:v>34</c:v>
-                        </c:pt>
-                        <c:pt idx="34">
-                          <c:v>35</c:v>
-                        </c:pt>
-                        <c:pt idx="35">
-                          <c:v>36</c:v>
-                        </c:pt>
-                        <c:pt idx="36">
-                          <c:v>37</c:v>
-                        </c:pt>
-                        <c:pt idx="37">
-                          <c:v>38</c:v>
-                        </c:pt>
-                        <c:pt idx="38">
-                          <c:v>39</c:v>
-                        </c:pt>
-                        <c:pt idx="39">
-                          <c:v>40</c:v>
-                        </c:pt>
-                        <c:pt idx="40">
-                          <c:v>41</c:v>
-                        </c:pt>
-                        <c:pt idx="41">
-                          <c:v>42</c:v>
-                        </c:pt>
-                        <c:pt idx="42">
-                          <c:v>43</c:v>
-                        </c:pt>
-                        <c:pt idx="43">
-                          <c:v>44</c:v>
-                        </c:pt>
-                        <c:pt idx="44">
-                          <c:v>45</c:v>
-                        </c:pt>
-                        <c:pt idx="45">
-                          <c:v>46</c:v>
-                        </c:pt>
-                        <c:pt idx="46">
-                          <c:v>47</c:v>
-                        </c:pt>
-                        <c:pt idx="47">
-                          <c:v>48</c:v>
-                        </c:pt>
-                        <c:pt idx="48">
-                          <c:v>49</c:v>
-                        </c:pt>
-                        <c:pt idx="49">
-                          <c:v>50</c:v>
-                        </c:pt>
-                        <c:pt idx="50">
-                          <c:v>51</c:v>
-                        </c:pt>
-                        <c:pt idx="51">
-                          <c:v>52</c:v>
-                        </c:pt>
-                        <c:pt idx="52">
-                          <c:v>53</c:v>
-                        </c:pt>
-                        <c:pt idx="53">
-                          <c:v>54</c:v>
-                        </c:pt>
-                        <c:pt idx="54">
-                          <c:v>55</c:v>
-                        </c:pt>
-                        <c:pt idx="55">
-                          <c:v>56</c:v>
-                        </c:pt>
-                        <c:pt idx="56">
-                          <c:v>57</c:v>
-                        </c:pt>
-                        <c:pt idx="57">
-                          <c:v>58</c:v>
-                        </c:pt>
-                        <c:pt idx="58">
-                          <c:v>59</c:v>
-                        </c:pt>
-                        <c:pt idx="59">
-                          <c:v>60</c:v>
-                        </c:pt>
-                        <c:pt idx="60">
-                          <c:v>61</c:v>
-                        </c:pt>
-                        <c:pt idx="61">
-                          <c:v>62</c:v>
-                        </c:pt>
-                        <c:pt idx="62">
-                          <c:v>63</c:v>
-                        </c:pt>
-                        <c:pt idx="63">
-                          <c:v>64</c:v>
-                        </c:pt>
-                        <c:pt idx="64">
-                          <c:v>65</c:v>
-                        </c:pt>
-                        <c:pt idx="65">
-                          <c:v>66</c:v>
-                        </c:pt>
-                        <c:pt idx="66">
-                          <c:v>67</c:v>
-                        </c:pt>
-                        <c:pt idx="67">
-                          <c:v>68</c:v>
-                        </c:pt>
-                        <c:pt idx="68">
-                          <c:v>69</c:v>
-                        </c:pt>
-                        <c:pt idx="69">
-                          <c:v>70</c:v>
-                        </c:pt>
-                        <c:pt idx="70">
-                          <c:v>71</c:v>
-                        </c:pt>
-                        <c:pt idx="71">
-                          <c:v>72</c:v>
-                        </c:pt>
-                        <c:pt idx="72">
-                          <c:v>73</c:v>
-                        </c:pt>
-                        <c:pt idx="73">
-                          <c:v>74</c:v>
-                        </c:pt>
-                      </c:lvl>
-                      <c:lvl>
-                        <c:pt idx="0">
-                          <c:v>Winter</c:v>
-                        </c:pt>
-                        <c:pt idx="13">
-                          <c:v>Summer</c:v>
-                        </c:pt>
-                        <c:pt idx="26">
-                          <c:v>Monsoon</c:v>
-                        </c:pt>
-                        <c:pt idx="39">
-                          <c:v>Post-Monsoon</c:v>
-                        </c:pt>
-                        <c:pt idx="48">
-                          <c:v>Winter</c:v>
-                        </c:pt>
-                      </c:lvl>
-                    </c:multiLvlStrCache>
-                  </c:multiLvlStrRef>
-                </c:cat>
-                <c:val>
-                  <c:numRef>
-                    <c:extLst xmlns:c15="http://schemas.microsoft.com/office/drawing/2012/chart">
-                      <c:ext xmlns:c15="http://schemas.microsoft.com/office/drawing/2012/chart" uri="{02D57815-91ED-43cb-92C2-25804820EDAC}">
-                        <c15:formulaRef>
-                          <c15:sqref>CHART!$J$5:$J$78</c15:sqref>
-                        </c15:formulaRef>
-                      </c:ext>
-                    </c:extLst>
-                    <c:numCache>
-                      <c:formatCode>General</c:formatCode>
-                      <c:ptCount val="74"/>
-                      <c:pt idx="0">
-                        <c:v>1</c:v>
-                      </c:pt>
-                      <c:pt idx="1">
-                        <c:v>2</c:v>
-                      </c:pt>
-                      <c:pt idx="2">
-                        <c:v>3</c:v>
-                      </c:pt>
-                      <c:pt idx="3">
-                        <c:v>4</c:v>
-                      </c:pt>
-                      <c:pt idx="4">
-                        <c:v>5</c:v>
-                      </c:pt>
-                      <c:pt idx="5">
-                        <c:v>6</c:v>
-                      </c:pt>
-                      <c:pt idx="6">
-                        <c:v>7</c:v>
-                      </c:pt>
-                      <c:pt idx="7">
-                        <c:v>8</c:v>
-                      </c:pt>
-                      <c:pt idx="8">
-                        <c:v>9</c:v>
-                      </c:pt>
-                      <c:pt idx="9">
-                        <c:v>10</c:v>
-                      </c:pt>
-                      <c:pt idx="10">
-                        <c:v>11</c:v>
-                      </c:pt>
-                      <c:pt idx="11">
-                        <c:v>12</c:v>
-                      </c:pt>
-                      <c:pt idx="12">
-                        <c:v>13</c:v>
-                      </c:pt>
-                      <c:pt idx="13">
-                        <c:v>14</c:v>
-                      </c:pt>
-                      <c:pt idx="14">
-                        <c:v>15</c:v>
-                      </c:pt>
-                      <c:pt idx="15">
-                        <c:v>16</c:v>
-                      </c:pt>
-                      <c:pt idx="16">
-                        <c:v>17</c:v>
-                      </c:pt>
-                      <c:pt idx="17">
-                        <c:v>18</c:v>
-                      </c:pt>
-                      <c:pt idx="18">
-                        <c:v>19</c:v>
-                      </c:pt>
-                      <c:pt idx="19">
-                        <c:v>20</c:v>
-                      </c:pt>
-                      <c:pt idx="20">
-                        <c:v>21</c:v>
-                      </c:pt>
-                      <c:pt idx="21">
-                        <c:v>22</c:v>
-                      </c:pt>
-                      <c:pt idx="22">
-                        <c:v>23</c:v>
-                      </c:pt>
-                      <c:pt idx="23">
-                        <c:v>24</c:v>
-                      </c:pt>
-                      <c:pt idx="24">
-                        <c:v>25</c:v>
-                      </c:pt>
-                      <c:pt idx="25">
-                        <c:v>26</c:v>
-                      </c:pt>
-                      <c:pt idx="26">
-                        <c:v>27</c:v>
-                      </c:pt>
-                      <c:pt idx="27">
-                        <c:v>28</c:v>
-                      </c:pt>
-                      <c:pt idx="28">
-                        <c:v>29</c:v>
-                      </c:pt>
-                      <c:pt idx="29">
-                        <c:v>30</c:v>
-                      </c:pt>
-                      <c:pt idx="30">
-                        <c:v>31</c:v>
-                      </c:pt>
-                      <c:pt idx="31">
-                        <c:v>32</c:v>
-                      </c:pt>
-                      <c:pt idx="32">
-                        <c:v>33</c:v>
-                      </c:pt>
-                      <c:pt idx="33">
-                        <c:v>34</c:v>
-                      </c:pt>
-                      <c:pt idx="34">
-                        <c:v>35</c:v>
-                      </c:pt>
-                      <c:pt idx="35">
-                        <c:v>36</c:v>
-                      </c:pt>
-                      <c:pt idx="36">
-                        <c:v>37</c:v>
-                      </c:pt>
-                      <c:pt idx="37">
-                        <c:v>38</c:v>
-                      </c:pt>
-                      <c:pt idx="38">
-                        <c:v>39</c:v>
-                      </c:pt>
-                      <c:pt idx="39">
-                        <c:v>40</c:v>
-                      </c:pt>
-                      <c:pt idx="40">
-                        <c:v>41</c:v>
-                      </c:pt>
-                      <c:pt idx="41">
-                        <c:v>42</c:v>
-                      </c:pt>
-                      <c:pt idx="42">
-                        <c:v>43</c:v>
-                      </c:pt>
-                      <c:pt idx="43">
-                        <c:v>44</c:v>
-                      </c:pt>
-                      <c:pt idx="44">
-                        <c:v>45</c:v>
-                      </c:pt>
-                      <c:pt idx="45">
-                        <c:v>46</c:v>
-                      </c:pt>
-                      <c:pt idx="46">
-                        <c:v>47</c:v>
-                      </c:pt>
-                      <c:pt idx="47">
-                        <c:v>48</c:v>
-                      </c:pt>
-                      <c:pt idx="48">
-                        <c:v>49</c:v>
-                      </c:pt>
-                      <c:pt idx="49">
-                        <c:v>50</c:v>
-                      </c:pt>
-                      <c:pt idx="50">
-                        <c:v>51</c:v>
-                      </c:pt>
-                      <c:pt idx="51">
-                        <c:v>52</c:v>
-                      </c:pt>
-                      <c:pt idx="52">
-                        <c:v>53</c:v>
-                      </c:pt>
-                      <c:pt idx="53">
-                        <c:v>54</c:v>
-                      </c:pt>
-                      <c:pt idx="54">
-                        <c:v>55</c:v>
-                      </c:pt>
-                      <c:pt idx="55">
-                        <c:v>56</c:v>
-                      </c:pt>
-                      <c:pt idx="56">
-                        <c:v>57</c:v>
-                      </c:pt>
-                      <c:pt idx="57">
-                        <c:v>58</c:v>
-                      </c:pt>
-                      <c:pt idx="58">
-                        <c:v>59</c:v>
-                      </c:pt>
-                      <c:pt idx="59">
-                        <c:v>60</c:v>
-                      </c:pt>
-                      <c:pt idx="60">
-                        <c:v>61</c:v>
-                      </c:pt>
-                      <c:pt idx="61">
-                        <c:v>62</c:v>
-                      </c:pt>
-                      <c:pt idx="62">
-                        <c:v>63</c:v>
-                      </c:pt>
-                      <c:pt idx="63">
-                        <c:v>64</c:v>
-                      </c:pt>
-                      <c:pt idx="64">
-                        <c:v>65</c:v>
-                      </c:pt>
-                      <c:pt idx="65">
-                        <c:v>66</c:v>
-                      </c:pt>
-                      <c:pt idx="66">
-                        <c:v>67</c:v>
-                      </c:pt>
-                      <c:pt idx="67">
-                        <c:v>68</c:v>
-                      </c:pt>
-                      <c:pt idx="68">
-                        <c:v>69</c:v>
-                      </c:pt>
-                      <c:pt idx="69">
-                        <c:v>70</c:v>
-                      </c:pt>
-                      <c:pt idx="70">
-                        <c:v>71</c:v>
-                      </c:pt>
-                      <c:pt idx="71">
-                        <c:v>72</c:v>
-                      </c:pt>
-                      <c:pt idx="72">
-                        <c:v>73</c:v>
-                      </c:pt>
-                      <c:pt idx="73">
-                        <c:v>74</c:v>
-                      </c:pt>
-                    </c:numCache>
-                  </c:numRef>
-                </c:val>
-                <c:smooth val="0"/>
-                <c:extLst>
-                  <c:ext xmlns:c16="http://schemas.microsoft.com/office/drawing/2014/chart" uri="{C3380CC4-5D6E-409C-BE32-E72D297353CC}">
-                    <c16:uniqueId val="{00000005-7211-4B35-B559-1E2CD020FEF4}"/>
-                  </c:ext>
-                </c:extLst>
-              </c15:ser>
-            </c15:filteredLineSeries>
-          </c:ext>
-        </c:extLst>
-      </c:lineChart>
-      <c:catAx>
-        <c:axId val="905425440"/>
-        <c:scaling>
-          <c:orientation val="minMax"/>
-        </c:scaling>
-        <c:delete val="0"/>
-        <c:axPos val="b"/>
-        <c:title>
-          <c:tx>
-            <c:rich>
-              <a:bodyPr rot="0" spcFirstLastPara="1" vertOverflow="ellipsis" vert="horz" wrap="square" anchor="ctr" anchorCtr="1"/>
-              <a:lstStyle/>
-              <a:p>
-                <a:pPr>
-                  <a:defRPr sz="900" b="0" i="0" u="none" strike="noStrike" kern="1200" cap="all" baseline="0">
-                    <a:solidFill>
-                      <a:schemeClr val="dk1">
-                        <a:lumMod val="65000"/>
-                        <a:lumOff val="35000"/>
-                      </a:schemeClr>
-                    </a:solidFill>
-                    <a:latin typeface="+mn-lt"/>
-                    <a:ea typeface="+mn-ea"/>
-                    <a:cs typeface="+mn-cs"/>
-                  </a:defRPr>
-                </a:pPr>
-                <a:r>
-                  <a:rPr lang="en-IN"/>
-                  <a:t>SEASON - WEEK NUMBER</a:t>
-                </a:r>
-              </a:p>
-            </c:rich>
-          </c:tx>
-          <c:overlay val="0"/>
-          <c:spPr>
-            <a:noFill/>
-            <a:ln>
-              <a:noFill/>
-            </a:ln>
-            <a:effectLst/>
-          </c:spPr>
-          <c:txPr>
-            <a:bodyPr rot="0" spcFirstLastPara="1" vertOverflow="ellipsis" vert="horz" wrap="square" anchor="ctr" anchorCtr="1"/>
-            <a:lstStyle/>
-            <a:p>
-              <a:pPr>
-                <a:defRPr sz="900" b="0" i="0" u="none" strike="noStrike" kern="1200" cap="all" baseline="0">
-                  <a:solidFill>
-                    <a:schemeClr val="dk1">
-                      <a:lumMod val="65000"/>
-                      <a:lumOff val="35000"/>
-                    </a:schemeClr>
-                  </a:solidFill>
-                  <a:latin typeface="+mn-lt"/>
-                  <a:ea typeface="+mn-ea"/>
-                  <a:cs typeface="+mn-cs"/>
-                </a:defRPr>
-              </a:pPr>
-              <a:endParaRPr lang="en-US"/>
-            </a:p>
-          </c:txPr>
-        </c:title>
-        <c:numFmt formatCode="General" sourceLinked="1"/>
-        <c:majorTickMark val="none"/>
-        <c:minorTickMark val="none"/>
-        <c:tickLblPos val="nextTo"/>
-        <c:spPr>
-          <a:noFill/>
-          <a:ln w="9525" cap="flat" cmpd="sng" algn="ctr">
-            <a:solidFill>
-              <a:schemeClr val="dk1">
-                <a:lumMod val="15000"/>
-                <a:lumOff val="85000"/>
-              </a:schemeClr>
-            </a:solidFill>
-            <a:round/>
-          </a:ln>
-          <a:effectLst/>
-        </c:spPr>
-        <c:txPr>
-          <a:bodyPr rot="-60000000" spcFirstLastPara="1" vertOverflow="ellipsis" vert="horz" wrap="square" anchor="ctr" anchorCtr="1"/>
-          <a:lstStyle/>
-          <a:p>
-            <a:pPr>
-              <a:defRPr sz="900" b="0" i="0" u="none" strike="noStrike" kern="1200" spc="20" baseline="0">
-                <a:solidFill>
-                  <a:schemeClr val="dk1">
-                    <a:lumMod val="65000"/>
-                    <a:lumOff val="35000"/>
-                  </a:schemeClr>
-                </a:solidFill>
-                <a:latin typeface="+mn-lt"/>
-                <a:ea typeface="+mn-ea"/>
-                <a:cs typeface="+mn-cs"/>
-              </a:defRPr>
-            </a:pPr>
-            <a:endParaRPr lang="en-US"/>
-          </a:p>
-        </c:txPr>
-        <c:crossAx val="905429280"/>
-        <c:crosses val="autoZero"/>
-        <c:auto val="1"/>
-        <c:lblAlgn val="ctr"/>
-        <c:lblOffset val="100"/>
-        <c:noMultiLvlLbl val="0"/>
-      </c:catAx>
-      <c:valAx>
-        <c:axId val="905429280"/>
-        <c:scaling>
-          <c:orientation val="minMax"/>
-        </c:scaling>
-        <c:delete val="0"/>
-        <c:axPos val="l"/>
-        <c:title>
-          <c:tx>
-            <c:rich>
-              <a:bodyPr rot="-5400000" spcFirstLastPara="1" vertOverflow="ellipsis" vert="horz" wrap="square" anchor="ctr" anchorCtr="1"/>
-              <a:lstStyle/>
-              <a:p>
-                <a:pPr>
-                  <a:defRPr sz="900" b="0" i="0" u="none" strike="noStrike" kern="1200" cap="all" baseline="0">
-                    <a:solidFill>
-                      <a:schemeClr val="dk1">
-                        <a:lumMod val="65000"/>
-                        <a:lumOff val="35000"/>
-                      </a:schemeClr>
-                    </a:solidFill>
-                    <a:latin typeface="+mn-lt"/>
-                    <a:ea typeface="+mn-ea"/>
-                    <a:cs typeface="+mn-cs"/>
-                  </a:defRPr>
-                </a:pPr>
-                <a:r>
-                  <a:rPr lang="en-IN"/>
-                  <a:t>aVERAGE GWS</a:t>
-                </a:r>
-              </a:p>
-            </c:rich>
-          </c:tx>
-          <c:overlay val="0"/>
-          <c:spPr>
-            <a:noFill/>
-            <a:ln>
-              <a:noFill/>
-            </a:ln>
-            <a:effectLst/>
-          </c:spPr>
-          <c:txPr>
-            <a:bodyPr rot="-5400000" spcFirstLastPara="1" vertOverflow="ellipsis" vert="horz" wrap="square" anchor="ctr" anchorCtr="1"/>
-            <a:lstStyle/>
-            <a:p>
-              <a:pPr>
-                <a:defRPr sz="900" b="0" i="0" u="none" strike="noStrike" kern="1200" cap="all" baseline="0">
-                  <a:solidFill>
-                    <a:schemeClr val="dk1">
-                      <a:lumMod val="65000"/>
-                      <a:lumOff val="35000"/>
-                    </a:schemeClr>
-                  </a:solidFill>
-                  <a:latin typeface="+mn-lt"/>
-                  <a:ea typeface="+mn-ea"/>
-                  <a:cs typeface="+mn-cs"/>
-                </a:defRPr>
-              </a:pPr>
-              <a:endParaRPr lang="en-US"/>
-            </a:p>
-          </c:txPr>
-        </c:title>
-        <c:numFmt formatCode="General" sourceLinked="1"/>
-        <c:majorTickMark val="none"/>
-        <c:minorTickMark val="none"/>
-        <c:tickLblPos val="nextTo"/>
-        <c:spPr>
-          <a:noFill/>
-          <a:ln>
-            <a:noFill/>
-          </a:ln>
-          <a:effectLst/>
-        </c:spPr>
-        <c:txPr>
-          <a:bodyPr rot="-60000000" spcFirstLastPara="1" vertOverflow="ellipsis" vert="horz" wrap="square" anchor="ctr" anchorCtr="1"/>
-          <a:lstStyle/>
-          <a:p>
-            <a:pPr>
-              <a:defRPr sz="900" b="0" i="0" u="none" strike="noStrike" kern="1200" spc="20" baseline="0">
-                <a:solidFill>
-                  <a:schemeClr val="dk1">
-                    <a:lumMod val="65000"/>
-                    <a:lumOff val="35000"/>
-                  </a:schemeClr>
-                </a:solidFill>
-                <a:latin typeface="+mn-lt"/>
-                <a:ea typeface="+mn-ea"/>
-                <a:cs typeface="+mn-cs"/>
-              </a:defRPr>
-            </a:pPr>
-            <a:endParaRPr lang="en-US"/>
-          </a:p>
-        </c:txPr>
-        <c:crossAx val="905425440"/>
-        <c:crosses val="autoZero"/>
-        <c:crossBetween val="between"/>
-      </c:valAx>
-      <c:spPr>
-        <a:gradFill>
-          <a:gsLst>
-            <a:gs pos="100000">
-              <a:schemeClr val="lt1">
-                <a:lumMod val="95000"/>
-              </a:schemeClr>
-            </a:gs>
-            <a:gs pos="0">
-              <a:schemeClr val="lt1"/>
-            </a:gs>
-          </a:gsLst>
-          <a:lin ang="5400000" scaled="0"/>
-        </a:gradFill>
-        <a:ln>
-          <a:noFill/>
-        </a:ln>
-        <a:effectLst/>
-      </c:spPr>
-    </c:plotArea>
-    <c:legend>
-      <c:legendPos val="t"/>
-      <c:overlay val="0"/>
-      <c:spPr>
-        <a:noFill/>
-        <a:ln>
-          <a:noFill/>
-        </a:ln>
-        <a:effectLst/>
-      </c:spPr>
-      <c:txPr>
-        <a:bodyPr rot="0" spcFirstLastPara="1" vertOverflow="ellipsis" vert="horz" wrap="square" anchor="ctr" anchorCtr="1"/>
-        <a:lstStyle/>
-        <a:p>
-          <a:pPr>
-            <a:defRPr sz="900" b="0" i="0" u="none" strike="noStrike" kern="1200" baseline="0">
-              <a:solidFill>
-                <a:schemeClr val="dk1">
-                  <a:lumMod val="65000"/>
-                  <a:lumOff val="35000"/>
-                </a:schemeClr>
-              </a:solidFill>
-              <a:latin typeface="+mn-lt"/>
-              <a:ea typeface="+mn-ea"/>
-              <a:cs typeface="+mn-cs"/>
-            </a:defRPr>
-          </a:pPr>
-          <a:endParaRPr lang="en-US"/>
-        </a:p>
-      </c:txPr>
-    </c:legend>
-    <c:plotVisOnly val="1"/>
-    <c:dispBlanksAs val="gap"/>
-    <c:extLst>
-      <c:ext xmlns:c16r3="http://schemas.microsoft.com/office/drawing/2017/03/chart" uri="{56B9EC1D-385E-4148-901F-78D8002777C0}">
-        <c16r3:dataDisplayOptions16>
-          <c16r3:dispNaAsBlank val="1"/>
-        </c16r3:dataDisplayOptions16>
-      </c:ext>
-    </c:extLst>
-    <c:showDLblsOverMax val="0"/>
-  </c:chart>
-  <c:spPr>
-    <a:solidFill>
-      <a:schemeClr val="lt1"/>
-    </a:solidFill>
-    <a:ln>
-      <a:noFill/>
-    </a:ln>
-    <a:effectLst/>
-  </c:spPr>
-  <c:txPr>
-    <a:bodyPr/>
-    <a:lstStyle/>
-    <a:p>
-      <a:pPr>
-        <a:defRPr/>
-      </a:pPr>
-      <a:endParaRPr lang="en-US"/>
-    </a:p>
-  </c:txPr>
-  <c:externalData r:id="rId3">
-    <c:autoUpdate val="0"/>
-  </c:externalData>
-</c:chartSpace>
 </file>
 
 <file path=ppt/charts/chartEx1.xml><?xml version="1.0" encoding="utf-8"?>
@@ -3572,43 +245,6 @@
   <a:schemeClr val="accent3"/>
   <a:schemeClr val="accent4"/>
   <a:schemeClr val="accent5"/>
-  <a:schemeClr val="accent6"/>
-  <cs:variation/>
-  <cs:variation>
-    <a:lumMod val="60000"/>
-  </cs:variation>
-  <cs:variation>
-    <a:lumMod val="80000"/>
-    <a:lumOff val="20000"/>
-  </cs:variation>
-  <cs:variation>
-    <a:lumMod val="80000"/>
-  </cs:variation>
-  <cs:variation>
-    <a:lumMod val="60000"/>
-    <a:lumOff val="40000"/>
-  </cs:variation>
-  <cs:variation>
-    <a:lumMod val="50000"/>
-  </cs:variation>
-  <cs:variation>
-    <a:lumMod val="70000"/>
-    <a:lumOff val="30000"/>
-  </cs:variation>
-  <cs:variation>
-    <a:lumMod val="70000"/>
-  </cs:variation>
-  <cs:variation>
-    <a:lumMod val="50000"/>
-    <a:lumOff val="50000"/>
-  </cs:variation>
-</cs:colorStyle>
-</file>
-
-<file path=ppt/charts/colors2.xml><?xml version="1.0" encoding="utf-8"?>
-<cs:colorStyle xmlns:cs="http://schemas.microsoft.com/office/drawing/2012/chartStyle" xmlns:a="http://schemas.openxmlformats.org/drawingml/2006/main" meth="cycle" id="12">
-  <a:schemeClr val="accent2"/>
-  <a:schemeClr val="accent4"/>
   <a:schemeClr val="accent6"/>
   <cs:variation/>
   <cs:variation>
@@ -4145,544 +781,6 @@
     <cs:effectRef idx="0"/>
     <cs:fontRef idx="minor">
       <a:schemeClr val="tx1"/>
-    </cs:fontRef>
-  </cs:wall>
-</cs:chartStyle>
-</file>
-
-<file path=ppt/charts/style2.xml><?xml version="1.0" encoding="utf-8"?>
-<cs:chartStyle xmlns:cs="http://schemas.microsoft.com/office/drawing/2012/chartStyle" xmlns:a="http://schemas.openxmlformats.org/drawingml/2006/main" id="230">
-  <cs:axisTitle>
-    <cs:lnRef idx="0"/>
-    <cs:fillRef idx="0"/>
-    <cs:effectRef idx="0"/>
-    <cs:fontRef idx="minor">
-      <a:schemeClr val="dk1">
-        <a:lumMod val="65000"/>
-        <a:lumOff val="35000"/>
-      </a:schemeClr>
-    </cs:fontRef>
-    <cs:defRPr sz="900" kern="1200" cap="all"/>
-  </cs:axisTitle>
-  <cs:categoryAxis>
-    <cs:lnRef idx="0"/>
-    <cs:fillRef idx="0"/>
-    <cs:effectRef idx="0"/>
-    <cs:fontRef idx="minor">
-      <a:schemeClr val="dk1">
-        <a:lumMod val="65000"/>
-        <a:lumOff val="35000"/>
-      </a:schemeClr>
-    </cs:fontRef>
-    <cs:spPr>
-      <a:ln w="9525" cap="flat" cmpd="sng" algn="ctr">
-        <a:solidFill>
-          <a:schemeClr val="dk1">
-            <a:lumMod val="15000"/>
-            <a:lumOff val="85000"/>
-          </a:schemeClr>
-        </a:solidFill>
-        <a:round/>
-      </a:ln>
-    </cs:spPr>
-    <cs:defRPr sz="900" b="0" kern="1200" spc="20" baseline="0"/>
-  </cs:categoryAxis>
-  <cs:chartArea mods="allowNoLineOverride">
-    <cs:lnRef idx="0"/>
-    <cs:fillRef idx="0"/>
-    <cs:effectRef idx="0"/>
-    <cs:fontRef idx="minor">
-      <a:schemeClr val="dk1"/>
-    </cs:fontRef>
-    <cs:spPr>
-      <a:solidFill>
-        <a:schemeClr val="lt1"/>
-      </a:solidFill>
-      <a:ln w="9525" cap="flat" cmpd="sng" algn="ctr">
-        <a:solidFill>
-          <a:schemeClr val="dk1">
-            <a:lumMod val="15000"/>
-            <a:lumOff val="85000"/>
-          </a:schemeClr>
-        </a:solidFill>
-        <a:round/>
-      </a:ln>
-    </cs:spPr>
-    <cs:defRPr sz="900" kern="1200"/>
-  </cs:chartArea>
-  <cs:dataLabel>
-    <cs:lnRef idx="0"/>
-    <cs:fillRef idx="0"/>
-    <cs:effectRef idx="0"/>
-    <cs:fontRef idx="minor">
-      <a:schemeClr val="dk1">
-        <a:lumMod val="65000"/>
-        <a:lumOff val="35000"/>
-      </a:schemeClr>
-    </cs:fontRef>
-    <cs:defRPr sz="900" kern="1200"/>
-  </cs:dataLabel>
-  <cs:dataLabelCallout>
-    <cs:lnRef idx="0"/>
-    <cs:fillRef idx="0"/>
-    <cs:effectRef idx="0"/>
-    <cs:fontRef idx="minor">
-      <a:schemeClr val="dk1">
-        <a:lumMod val="65000"/>
-        <a:lumOff val="35000"/>
-      </a:schemeClr>
-    </cs:fontRef>
-    <cs:spPr>
-      <a:solidFill>
-        <a:schemeClr val="lt1"/>
-      </a:solidFill>
-      <a:ln>
-        <a:solidFill>
-          <a:schemeClr val="dk1">
-            <a:lumMod val="25000"/>
-            <a:lumOff val="75000"/>
-          </a:schemeClr>
-        </a:solidFill>
-      </a:ln>
-    </cs:spPr>
-    <cs:defRPr sz="900" kern="1200"/>
-    <cs:bodyPr rot="0" spcFirstLastPara="1" vertOverflow="clip" horzOverflow="clip" vert="horz" wrap="square" lIns="36576" tIns="18288" rIns="36576" bIns="18288" anchor="ctr" anchorCtr="1">
-      <a:spAutoFit/>
-    </cs:bodyPr>
-  </cs:dataLabelCallout>
-  <cs:dataPoint>
-    <cs:lnRef idx="0">
-      <cs:styleClr val="auto"/>
-    </cs:lnRef>
-    <cs:fillRef idx="2">
-      <cs:styleClr val="auto"/>
-    </cs:fillRef>
-    <cs:effectRef idx="1"/>
-    <cs:fontRef idx="minor">
-      <a:schemeClr val="dk1"/>
-    </cs:fontRef>
-    <cs:spPr>
-      <a:ln w="9525" cap="flat" cmpd="sng" algn="ctr">
-        <a:solidFill>
-          <a:schemeClr val="phClr">
-            <a:shade val="95000"/>
-          </a:schemeClr>
-        </a:solidFill>
-        <a:round/>
-      </a:ln>
-    </cs:spPr>
-  </cs:dataPoint>
-  <cs:dataPoint3D>
-    <cs:lnRef idx="0">
-      <cs:styleClr val="auto"/>
-    </cs:lnRef>
-    <cs:fillRef idx="2">
-      <cs:styleClr val="auto"/>
-    </cs:fillRef>
-    <cs:effectRef idx="1"/>
-    <cs:fontRef idx="minor">
-      <a:schemeClr val="dk1"/>
-    </cs:fontRef>
-    <cs:spPr>
-      <a:ln w="9525" cap="flat" cmpd="sng" algn="ctr">
-        <a:solidFill>
-          <a:schemeClr val="phClr">
-            <a:shade val="95000"/>
-          </a:schemeClr>
-        </a:solidFill>
-        <a:round/>
-      </a:ln>
-    </cs:spPr>
-  </cs:dataPoint3D>
-  <cs:dataPointLine>
-    <cs:lnRef idx="0">
-      <cs:styleClr val="auto"/>
-    </cs:lnRef>
-    <cs:fillRef idx="0"/>
-    <cs:effectRef idx="0"/>
-    <cs:fontRef idx="minor">
-      <a:schemeClr val="dk1"/>
-    </cs:fontRef>
-    <cs:spPr>
-      <a:ln w="22225" cap="rnd" cmpd="sng" algn="ctr">
-        <a:solidFill>
-          <a:schemeClr val="phClr"/>
-        </a:solidFill>
-        <a:round/>
-      </a:ln>
-    </cs:spPr>
-  </cs:dataPointLine>
-  <cs:dataPointMarker>
-    <cs:lnRef idx="0">
-      <cs:styleClr val="auto"/>
-    </cs:lnRef>
-    <cs:fillRef idx="0">
-      <cs:styleClr val="auto"/>
-    </cs:fillRef>
-    <cs:effectRef idx="0"/>
-    <cs:fontRef idx="minor">
-      <a:schemeClr val="dk1"/>
-    </cs:fontRef>
-    <cs:spPr>
-      <a:solidFill>
-        <a:schemeClr val="phClr"/>
-      </a:solidFill>
-      <a:ln w="9525" cap="flat" cmpd="sng" algn="ctr">
-        <a:solidFill>
-          <a:schemeClr val="phClr"/>
-        </a:solidFill>
-        <a:round/>
-      </a:ln>
-    </cs:spPr>
-  </cs:dataPointMarker>
-  <cs:dataPointMarkerLayout symbol="circle" size="4"/>
-  <cs:dataPointWireframe>
-    <cs:lnRef idx="0">
-      <cs:styleClr val="auto"/>
-    </cs:lnRef>
-    <cs:fillRef idx="0"/>
-    <cs:effectRef idx="0"/>
-    <cs:fontRef idx="minor">
-      <a:schemeClr val="dk1"/>
-    </cs:fontRef>
-    <cs:spPr>
-      <a:ln w="9525" cap="rnd">
-        <a:solidFill>
-          <a:schemeClr val="phClr"/>
-        </a:solidFill>
-        <a:round/>
-      </a:ln>
-    </cs:spPr>
-  </cs:dataPointWireframe>
-  <cs:dataTable>
-    <cs:lnRef idx="0"/>
-    <cs:fillRef idx="0"/>
-    <cs:effectRef idx="0"/>
-    <cs:fontRef idx="minor">
-      <a:schemeClr val="dk1">
-        <a:lumMod val="65000"/>
-        <a:lumOff val="35000"/>
-      </a:schemeClr>
-    </cs:fontRef>
-    <cs:spPr>
-      <a:ln w="9525">
-        <a:solidFill>
-          <a:schemeClr val="dk1">
-            <a:lumMod val="15000"/>
-            <a:lumOff val="85000"/>
-          </a:schemeClr>
-        </a:solidFill>
-      </a:ln>
-    </cs:spPr>
-    <cs:defRPr sz="900" kern="1200"/>
-  </cs:dataTable>
-  <cs:downBar>
-    <cs:lnRef idx="0"/>
-    <cs:fillRef idx="0"/>
-    <cs:effectRef idx="0"/>
-    <cs:fontRef idx="minor">
-      <a:schemeClr val="dk1"/>
-    </cs:fontRef>
-    <cs:spPr>
-      <a:solidFill>
-        <a:schemeClr val="dk1">
-          <a:lumMod val="75000"/>
-          <a:lumOff val="25000"/>
-        </a:schemeClr>
-      </a:solidFill>
-      <a:ln w="9525">
-        <a:solidFill>
-          <a:schemeClr val="dk1">
-            <a:lumMod val="65000"/>
-            <a:lumOff val="35000"/>
-          </a:schemeClr>
-        </a:solidFill>
-      </a:ln>
-    </cs:spPr>
-  </cs:downBar>
-  <cs:dropLine>
-    <cs:lnRef idx="0"/>
-    <cs:fillRef idx="0"/>
-    <cs:effectRef idx="0"/>
-    <cs:fontRef idx="minor">
-      <a:schemeClr val="dk1"/>
-    </cs:fontRef>
-    <cs:spPr>
-      <a:ln w="9525" cap="flat" cmpd="sng" algn="ctr">
-        <a:solidFill>
-          <a:schemeClr val="dk1">
-            <a:lumMod val="35000"/>
-            <a:lumOff val="65000"/>
-            <a:alpha val="33000"/>
-          </a:schemeClr>
-        </a:solidFill>
-        <a:round/>
-      </a:ln>
-    </cs:spPr>
-  </cs:dropLine>
-  <cs:errorBar>
-    <cs:lnRef idx="0"/>
-    <cs:fillRef idx="0"/>
-    <cs:effectRef idx="0"/>
-    <cs:fontRef idx="minor">
-      <a:schemeClr val="dk1"/>
-    </cs:fontRef>
-    <cs:spPr>
-      <a:ln w="9525">
-        <a:solidFill>
-          <a:schemeClr val="dk1">
-            <a:lumMod val="65000"/>
-            <a:lumOff val="35000"/>
-          </a:schemeClr>
-        </a:solidFill>
-      </a:ln>
-    </cs:spPr>
-  </cs:errorBar>
-  <cs:floor>
-    <cs:lnRef idx="0"/>
-    <cs:fillRef idx="0"/>
-    <cs:effectRef idx="0"/>
-    <cs:fontRef idx="minor">
-      <a:schemeClr val="dk1"/>
-    </cs:fontRef>
-  </cs:floor>
-  <cs:gridlineMajor>
-    <cs:lnRef idx="0"/>
-    <cs:fillRef idx="0"/>
-    <cs:effectRef idx="0"/>
-    <cs:fontRef idx="minor">
-      <a:schemeClr val="dk1"/>
-    </cs:fontRef>
-    <cs:spPr>
-      <a:ln>
-        <a:solidFill>
-          <a:schemeClr val="dk1">
-            <a:lumMod val="15000"/>
-            <a:lumOff val="85000"/>
-          </a:schemeClr>
-        </a:solidFill>
-      </a:ln>
-    </cs:spPr>
-  </cs:gridlineMajor>
-  <cs:gridlineMinor>
-    <cs:lnRef idx="0"/>
-    <cs:fillRef idx="0"/>
-    <cs:effectRef idx="0"/>
-    <cs:fontRef idx="minor">
-      <a:schemeClr val="dk1"/>
-    </cs:fontRef>
-    <cs:spPr>
-      <a:ln>
-        <a:solidFill>
-          <a:schemeClr val="dk1">
-            <a:lumMod val="5000"/>
-            <a:lumOff val="95000"/>
-          </a:schemeClr>
-        </a:solidFill>
-      </a:ln>
-    </cs:spPr>
-  </cs:gridlineMinor>
-  <cs:hiLoLine>
-    <cs:lnRef idx="0"/>
-    <cs:fillRef idx="0"/>
-    <cs:effectRef idx="0"/>
-    <cs:fontRef idx="minor">
-      <a:schemeClr val="dk1"/>
-    </cs:fontRef>
-    <cs:spPr>
-      <a:ln w="9525">
-        <a:solidFill>
-          <a:schemeClr val="dk1">
-            <a:lumMod val="35000"/>
-            <a:lumOff val="65000"/>
-          </a:schemeClr>
-        </a:solidFill>
-      </a:ln>
-    </cs:spPr>
-  </cs:hiLoLine>
-  <cs:leaderLine>
-    <cs:lnRef idx="0"/>
-    <cs:fillRef idx="0"/>
-    <cs:effectRef idx="0"/>
-    <cs:fontRef idx="minor">
-      <a:schemeClr val="dk1"/>
-    </cs:fontRef>
-    <cs:spPr>
-      <a:ln w="9525">
-        <a:solidFill>
-          <a:schemeClr val="dk1">
-            <a:lumMod val="35000"/>
-            <a:lumOff val="65000"/>
-          </a:schemeClr>
-        </a:solidFill>
-      </a:ln>
-    </cs:spPr>
-  </cs:leaderLine>
-  <cs:legend>
-    <cs:lnRef idx="0"/>
-    <cs:fillRef idx="0"/>
-    <cs:effectRef idx="0"/>
-    <cs:fontRef idx="minor">
-      <a:schemeClr val="dk1">
-        <a:lumMod val="65000"/>
-        <a:lumOff val="35000"/>
-      </a:schemeClr>
-    </cs:fontRef>
-    <cs:defRPr sz="900" kern="1200"/>
-  </cs:legend>
-  <cs:plotArea>
-    <cs:lnRef idx="0"/>
-    <cs:fillRef idx="0"/>
-    <cs:effectRef idx="0"/>
-    <cs:fontRef idx="minor">
-      <a:schemeClr val="dk1"/>
-    </cs:fontRef>
-    <cs:spPr>
-      <a:gradFill>
-        <a:gsLst>
-          <a:gs pos="100000">
-            <a:schemeClr val="lt1">
-              <a:lumMod val="95000"/>
-            </a:schemeClr>
-          </a:gs>
-          <a:gs pos="0">
-            <a:schemeClr val="lt1"/>
-          </a:gs>
-        </a:gsLst>
-        <a:lin ang="5400000" scaled="0"/>
-      </a:gradFill>
-    </cs:spPr>
-  </cs:plotArea>
-  <cs:plotArea3D>
-    <cs:lnRef idx="0"/>
-    <cs:fillRef idx="0"/>
-    <cs:effectRef idx="0"/>
-    <cs:fontRef idx="minor">
-      <a:schemeClr val="dk1"/>
-    </cs:fontRef>
-  </cs:plotArea3D>
-  <cs:seriesAxis>
-    <cs:lnRef idx="0"/>
-    <cs:fillRef idx="0"/>
-    <cs:effectRef idx="0"/>
-    <cs:fontRef idx="minor">
-      <a:schemeClr val="dk1">
-        <a:lumMod val="65000"/>
-        <a:lumOff val="35000"/>
-      </a:schemeClr>
-    </cs:fontRef>
-    <cs:spPr>
-      <a:ln w="9525" cap="flat" cmpd="sng" algn="ctr">
-        <a:solidFill>
-          <a:schemeClr val="dk1">
-            <a:lumMod val="15000"/>
-            <a:lumOff val="85000"/>
-          </a:schemeClr>
-        </a:solidFill>
-        <a:round/>
-      </a:ln>
-    </cs:spPr>
-    <cs:defRPr sz="900" kern="1200"/>
-  </cs:seriesAxis>
-  <cs:seriesLine>
-    <cs:lnRef idx="0"/>
-    <cs:fillRef idx="0"/>
-    <cs:effectRef idx="0"/>
-    <cs:fontRef idx="minor">
-      <a:schemeClr val="dk1"/>
-    </cs:fontRef>
-    <cs:spPr>
-      <a:ln w="9525">
-        <a:solidFill>
-          <a:schemeClr val="dk1">
-            <a:lumMod val="35000"/>
-            <a:lumOff val="65000"/>
-          </a:schemeClr>
-        </a:solidFill>
-        <a:prstDash val="dash"/>
-      </a:ln>
-    </cs:spPr>
-  </cs:seriesLine>
-  <cs:title>
-    <cs:lnRef idx="0"/>
-    <cs:fillRef idx="0"/>
-    <cs:effectRef idx="0"/>
-    <cs:fontRef idx="minor">
-      <a:schemeClr val="dk1">
-        <a:lumMod val="50000"/>
-        <a:lumOff val="50000"/>
-      </a:schemeClr>
-    </cs:fontRef>
-    <cs:defRPr sz="1400" kern="1200" cap="none" spc="20" baseline="0"/>
-  </cs:title>
-  <cs:trendline>
-    <cs:lnRef idx="0">
-      <cs:styleClr val="auto"/>
-    </cs:lnRef>
-    <cs:fillRef idx="0"/>
-    <cs:effectRef idx="0"/>
-    <cs:fontRef idx="minor">
-      <a:schemeClr val="dk1"/>
-    </cs:fontRef>
-    <cs:spPr>
-      <a:ln w="9525" cap="rnd">
-        <a:solidFill>
-          <a:schemeClr val="phClr"/>
-        </a:solidFill>
-      </a:ln>
-    </cs:spPr>
-  </cs:trendline>
-  <cs:trendlineLabel>
-    <cs:lnRef idx="0"/>
-    <cs:fillRef idx="0"/>
-    <cs:effectRef idx="0"/>
-    <cs:fontRef idx="minor">
-      <a:schemeClr val="dk1">
-        <a:lumMod val="65000"/>
-        <a:lumOff val="35000"/>
-      </a:schemeClr>
-    </cs:fontRef>
-    <cs:defRPr sz="900" kern="1200"/>
-  </cs:trendlineLabel>
-  <cs:upBar>
-    <cs:lnRef idx="0"/>
-    <cs:fillRef idx="0"/>
-    <cs:effectRef idx="0"/>
-    <cs:fontRef idx="minor">
-      <a:schemeClr val="dk1"/>
-    </cs:fontRef>
-    <cs:spPr>
-      <a:solidFill>
-        <a:schemeClr val="lt1"/>
-      </a:solidFill>
-      <a:ln w="9525">
-        <a:solidFill>
-          <a:schemeClr val="dk1">
-            <a:lumMod val="65000"/>
-            <a:lumOff val="35000"/>
-          </a:schemeClr>
-        </a:solidFill>
-      </a:ln>
-    </cs:spPr>
-  </cs:upBar>
-  <cs:valueAxis>
-    <cs:lnRef idx="0"/>
-    <cs:fillRef idx="0"/>
-    <cs:effectRef idx="0"/>
-    <cs:fontRef idx="minor">
-      <a:schemeClr val="dk1">
-        <a:lumMod val="65000"/>
-        <a:lumOff val="35000"/>
-      </a:schemeClr>
-    </cs:fontRef>
-    <cs:defRPr sz="900" kern="1200" spc="20" baseline="0"/>
-  </cs:valueAxis>
-  <cs:wall>
-    <cs:lnRef idx="0"/>
-    <cs:fillRef idx="0"/>
-    <cs:effectRef idx="0"/>
-    <cs:fontRef idx="minor">
-      <a:schemeClr val="dk1"/>
     </cs:fontRef>
   </cs:wall>
 </cs:chartStyle>
@@ -12676,84 +8774,6 @@
 </p:sld>
 </file>
 
-<file path=ppt/slides/slide10.xml><?xml version="1.0" encoding="utf-8"?>
-<p:sld xmlns:a="http://schemas.openxmlformats.org/drawingml/2006/main" xmlns:r="http://schemas.openxmlformats.org/officeDocument/2006/relationships" xmlns:p="http://schemas.openxmlformats.org/presentationml/2006/main">
-  <p:cSld>
-    <p:bg>
-      <p:bgPr>
-        <a:solidFill>
-          <a:schemeClr val="accent1">
-            <a:lumMod val="75000"/>
-          </a:schemeClr>
-        </a:solidFill>
-        <a:effectLst/>
-      </p:bgPr>
-    </p:bg>
-    <p:spTree>
-      <p:nvGrpSpPr>
-        <p:cNvPr id="1" name=""/>
-        <p:cNvGrpSpPr/>
-        <p:nvPr/>
-      </p:nvGrpSpPr>
-      <p:grpSpPr>
-        <a:xfrm>
-          <a:off x="0" y="0"/>
-          <a:ext cx="0" cy="0"/>
-          <a:chOff x="0" y="0"/>
-          <a:chExt cx="0" cy="0"/>
-        </a:xfrm>
-      </p:grpSpPr>
-      <p:sp>
-        <p:nvSpPr>
-          <p:cNvPr id="2" name="AutoShape 2"/>
-          <p:cNvSpPr>
-            <a:spLocks noGrp="1"/>
-          </p:cNvSpPr>
-          <p:nvPr>
-            <p:ph type="title"/>
-          </p:nvPr>
-        </p:nvSpPr>
-        <p:spPr>
-          <a:xfrm>
-            <a:off x="660400" y="1226056"/>
-            <a:ext cx="4927599" cy="3046988"/>
-          </a:xfrm>
-        </p:spPr>
-        <p:txBody>
-          <a:bodyPr vert="horz" lIns="91440" tIns="45720" rIns="91440" bIns="45720" anchor="ctr">
-            <a:normAutofit/>
-          </a:bodyPr>
-          <a:lstStyle/>
-          <a:p>
-            <a:pPr algn="l">
-              <a:lnSpc>
-                <a:spcPct val="100000"/>
-              </a:lnSpc>
-              <a:spcBef>
-                <a:spcPct val="0"/>
-              </a:spcBef>
-            </a:pPr>
-            <a:r>
-              <a:rPr lang="zh-CN" altLang="en-US" sz="6000" b="1" i="0" u="none" baseline="0" dirty="0">
-                <a:solidFill>
-                  <a:srgbClr val="FFFFFF"/>
-                </a:solidFill>
-                <a:latin typeface="微软雅黑"/>
-                <a:ea typeface="微软雅黑"/>
-              </a:rPr>
-              <a:t>Thank you!</a:t>
-            </a:r>
-          </a:p>
-        </p:txBody>
-      </p:sp>
-    </p:spTree>
-  </p:cSld>
-  <p:clrMapOvr>
-    <a:masterClrMapping/>
-  </p:clrMapOvr>
-</p:sld>
-</file>
-
 <file path=ppt/slides/slide2.xml><?xml version="1.0" encoding="utf-8"?>
 <p:sld xmlns:a="http://schemas.openxmlformats.org/drawingml/2006/main" xmlns:r="http://schemas.openxmlformats.org/officeDocument/2006/relationships" xmlns:p="http://schemas.openxmlformats.org/presentationml/2006/main">
   <p:cSld>
@@ -14055,7 +10075,7 @@
         <p:spPr>
           <a:xfrm>
             <a:off x="9112269" y="3059059"/>
-            <a:ext cx="2726062" cy="700576"/>
+            <a:ext cx="2726062" cy="1023742"/>
           </a:xfrm>
           <a:prstGeom prst="rect">
             <a:avLst/>
@@ -14104,17 +10124,7 @@
                 <a:latin typeface="微软雅黑"/>
                 <a:ea typeface="微软雅黑"/>
               </a:rPr>
-              <a:t> website with Ground water </a:t>
-            </a:r>
-            <a:r>
-              <a:rPr lang="en-US" altLang="zh-CN" sz="1400" b="0" i="0" u="none" baseline="0" dirty="0" err="1">
-                <a:solidFill>
-                  <a:srgbClr val="000000"/>
-                </a:solidFill>
-                <a:latin typeface="微软雅黑"/>
-                <a:ea typeface="微软雅黑"/>
-              </a:rPr>
-              <a:t>forcating</a:t>
+              <a:t> website with Ground water forecasting</a:t>
             </a:r>
             <a:endParaRPr lang="zh-CN" altLang="en-US" sz="1400" b="0" i="0" u="none" baseline="0" dirty="0">
               <a:solidFill>
@@ -14803,1285 +10813,6 @@
 <file path=ppt/slides/slide5.xml><?xml version="1.0" encoding="utf-8"?>
 <p:sld xmlns:a="http://schemas.openxmlformats.org/drawingml/2006/main" xmlns:r="http://schemas.openxmlformats.org/officeDocument/2006/relationships" xmlns:p="http://schemas.openxmlformats.org/presentationml/2006/main">
   <p:cSld>
-    <p:spTree>
-      <p:nvGrpSpPr>
-        <p:cNvPr id="1" name=""/>
-        <p:cNvGrpSpPr/>
-        <p:nvPr/>
-      </p:nvGrpSpPr>
-      <p:grpSpPr>
-        <a:xfrm>
-          <a:off x="0" y="0"/>
-          <a:ext cx="0" cy="0"/>
-          <a:chOff x="0" y="0"/>
-          <a:chExt cx="0" cy="0"/>
-        </a:xfrm>
-      </p:grpSpPr>
-      <p:sp>
-        <p:nvSpPr>
-          <p:cNvPr id="2" name="TextBox 2"/>
-          <p:cNvSpPr txBox="1"/>
-          <p:nvPr/>
-        </p:nvSpPr>
-        <p:spPr>
-          <a:xfrm>
-            <a:off x="1055838" y="3311518"/>
-            <a:ext cx="5040161" cy="1670073"/>
-          </a:xfrm>
-          <a:prstGeom prst="rect">
-            <a:avLst/>
-          </a:prstGeom>
-          <a:noFill/>
-        </p:spPr>
-        <p:txBody>
-          <a:bodyPr vert="horz" wrap="square" lIns="91440" tIns="45720" rIns="91440" bIns="45720" rtlCol="0" anchor="t">
-            <a:spAutoFit/>
-          </a:bodyPr>
-          <a:lstStyle/>
-          <a:p>
-            <a:pPr marL="0" algn="just">
-              <a:lnSpc>
-                <a:spcPct val="150000"/>
-              </a:lnSpc>
-              <a:defRPr/>
-            </a:pPr>
-            <a:r>
-              <a:rPr lang="en-US" sz="1400" b="0" i="0" u="none" baseline="0">
-                <a:solidFill>
-                  <a:srgbClr val="000000">
-                    <a:lumMod val="95000"/>
-                    <a:lumOff val="5000"/>
-                  </a:srgbClr>
-                </a:solidFill>
-                <a:latin typeface="+mn-ea"/>
-                <a:ea typeface="+mn-ea"/>
-              </a:rPr>
-              <a:t> </a:t>
-            </a:r>
-            <a:endParaRPr lang="en-US" sz="1100"/>
-          </a:p>
-        </p:txBody>
-      </p:sp>
-      <p:sp>
-        <p:nvSpPr>
-          <p:cNvPr id="5" name="AutoShape 5"/>
-          <p:cNvSpPr>
-            <a:spLocks noGrp="1"/>
-          </p:cNvSpPr>
-          <p:nvPr>
-            <p:ph type="title"/>
-          </p:nvPr>
-        </p:nvSpPr>
-        <p:spPr>
-          <a:xfrm>
-            <a:off x="660400" y="0"/>
-            <a:ext cx="10858500" cy="1028700"/>
-          </a:xfrm>
-        </p:spPr>
-        <p:txBody>
-          <a:bodyPr vert="horz" lIns="91440" tIns="45720" rIns="91440" bIns="45720" anchor="b">
-            <a:normAutofit/>
-          </a:bodyPr>
-          <a:lstStyle/>
-          <a:p>
-            <a:pPr algn="l">
-              <a:lnSpc>
-                <a:spcPct val="100000"/>
-              </a:lnSpc>
-              <a:spcBef>
-                <a:spcPct val="0"/>
-              </a:spcBef>
-            </a:pPr>
-            <a:r>
-              <a:rPr lang="en-US" altLang="zh-CN" sz="2400" b="1" i="0" u="none" baseline="0" dirty="0">
-                <a:solidFill>
-                  <a:schemeClr val="accent1"/>
-                </a:solidFill>
-                <a:latin typeface="微软雅黑"/>
-                <a:ea typeface="微软雅黑"/>
-              </a:rPr>
-              <a:t>Ground Water Storage </a:t>
-            </a:r>
-            <a:r>
-              <a:rPr lang="en-US" altLang="zh-CN" sz="2400" b="1" dirty="0">
-                <a:solidFill>
-                  <a:schemeClr val="accent1"/>
-                </a:solidFill>
-                <a:latin typeface="微软雅黑"/>
-                <a:ea typeface="微软雅黑"/>
-              </a:rPr>
-              <a:t>falls in the last quarter of 2023 for southern states, but increases for Mizoram.</a:t>
-            </a:r>
-            <a:endParaRPr lang="zh-CN" altLang="en-US" sz="2400" b="1" i="0" u="none" baseline="0" dirty="0">
-              <a:solidFill>
-                <a:schemeClr val="accent1"/>
-              </a:solidFill>
-              <a:latin typeface="微软雅黑"/>
-              <a:ea typeface="微软雅黑"/>
-            </a:endParaRPr>
-          </a:p>
-        </p:txBody>
-      </p:sp>
-      <p:graphicFrame>
-        <p:nvGraphicFramePr>
-          <p:cNvPr id="6" name="Chart 5">
-            <a:extLst>
-              <a:ext uri="{FF2B5EF4-FFF2-40B4-BE49-F238E27FC236}">
-                <a16:creationId xmlns:a16="http://schemas.microsoft.com/office/drawing/2014/main" id="{7E851CF3-5FFC-67B0-8C5E-4C850F49A438}"/>
-              </a:ext>
-            </a:extLst>
-          </p:cNvPr>
-          <p:cNvGraphicFramePr>
-            <a:graphicFrameLocks/>
-          </p:cNvGraphicFramePr>
-          <p:nvPr>
-            <p:extLst>
-              <p:ext uri="{D42A27DB-BD31-4B8C-83A1-F6EECF244321}">
-                <p14:modId xmlns:p14="http://schemas.microsoft.com/office/powerpoint/2010/main" val="1772518570"/>
-              </p:ext>
-            </p:extLst>
-          </p:nvPr>
-        </p:nvGraphicFramePr>
-        <p:xfrm>
-          <a:off x="228600" y="1524000"/>
-          <a:ext cx="11734800" cy="4876800"/>
-        </p:xfrm>
-        <a:graphic>
-          <a:graphicData uri="http://schemas.openxmlformats.org/drawingml/2006/chart">
-            <c:chart xmlns:c="http://schemas.openxmlformats.org/drawingml/2006/chart" xmlns:r="http://schemas.openxmlformats.org/officeDocument/2006/relationships" r:id="rId2"/>
-          </a:graphicData>
-        </a:graphic>
-      </p:graphicFrame>
-    </p:spTree>
-    <p:extLst>
-      <p:ext uri="{BB962C8B-B14F-4D97-AF65-F5344CB8AC3E}">
-        <p14:creationId xmlns:p14="http://schemas.microsoft.com/office/powerpoint/2010/main" val="4266812761"/>
-      </p:ext>
-    </p:extLst>
-  </p:cSld>
-  <p:clrMapOvr>
-    <a:masterClrMapping/>
-  </p:clrMapOvr>
-</p:sld>
-</file>
-
-<file path=ppt/slides/slide6.xml><?xml version="1.0" encoding="utf-8"?>
-<p:sld xmlns:a="http://schemas.openxmlformats.org/drawingml/2006/main" xmlns:r="http://schemas.openxmlformats.org/officeDocument/2006/relationships" xmlns:p="http://schemas.openxmlformats.org/presentationml/2006/main">
-  <p:cSld>
-    <p:spTree>
-      <p:nvGrpSpPr>
-        <p:cNvPr id="1" name=""/>
-        <p:cNvGrpSpPr/>
-        <p:nvPr/>
-      </p:nvGrpSpPr>
-      <p:grpSpPr>
-        <a:xfrm>
-          <a:off x="0" y="0"/>
-          <a:ext cx="0" cy="0"/>
-          <a:chOff x="0" y="0"/>
-          <a:chExt cx="0" cy="0"/>
-        </a:xfrm>
-      </p:grpSpPr>
-      <p:sp>
-        <p:nvSpPr>
-          <p:cNvPr id="2" name="TextBox 2"/>
-          <p:cNvSpPr txBox="1"/>
-          <p:nvPr/>
-        </p:nvSpPr>
-        <p:spPr>
-          <a:xfrm>
-            <a:off x="1055838" y="3311518"/>
-            <a:ext cx="5040161" cy="1670073"/>
-          </a:xfrm>
-          <a:prstGeom prst="rect">
-            <a:avLst/>
-          </a:prstGeom>
-          <a:noFill/>
-        </p:spPr>
-        <p:txBody>
-          <a:bodyPr vert="horz" wrap="square" lIns="91440" tIns="45720" rIns="91440" bIns="45720" rtlCol="0" anchor="t">
-            <a:spAutoFit/>
-          </a:bodyPr>
-          <a:lstStyle/>
-          <a:p>
-            <a:pPr marL="0" algn="just">
-              <a:lnSpc>
-                <a:spcPct val="150000"/>
-              </a:lnSpc>
-              <a:defRPr/>
-            </a:pPr>
-            <a:r>
-              <a:rPr lang="en-US" sz="1400" b="0" i="0" u="none" baseline="0">
-                <a:solidFill>
-                  <a:srgbClr val="000000">
-                    <a:lumMod val="95000"/>
-                    <a:lumOff val="5000"/>
-                  </a:srgbClr>
-                </a:solidFill>
-                <a:latin typeface="+mn-ea"/>
-                <a:ea typeface="+mn-ea"/>
-              </a:rPr>
-              <a:t> </a:t>
-            </a:r>
-            <a:endParaRPr lang="en-US" sz="1100"/>
-          </a:p>
-        </p:txBody>
-      </p:sp>
-      <p:sp>
-        <p:nvSpPr>
-          <p:cNvPr id="3" name="TextBox 3"/>
-          <p:cNvSpPr txBox="1"/>
-          <p:nvPr/>
-        </p:nvSpPr>
-        <p:spPr>
-          <a:xfrm>
-            <a:off x="1055839" y="2833367"/>
-            <a:ext cx="5014836" cy="338554"/>
-          </a:xfrm>
-          <a:prstGeom prst="rect">
-            <a:avLst/>
-          </a:prstGeom>
-          <a:noFill/>
-        </p:spPr>
-        <p:txBody>
-          <a:bodyPr vert="horz" wrap="square" lIns="91440" tIns="45720" rIns="91440" bIns="45720" rtlCol="0" anchor="b">
-            <a:spAutoFit/>
-          </a:bodyPr>
-          <a:lstStyle/>
-          <a:p>
-            <a:pPr marL="0" marR="0" indent="0" algn="l" fontAlgn="auto">
-              <a:lnSpc>
-                <a:spcPct val="100000"/>
-              </a:lnSpc>
-              <a:spcBef>
-                <a:spcPct val="0"/>
-              </a:spcBef>
-              <a:spcAft>
-                <a:spcPct val="0"/>
-              </a:spcAft>
-              <a:defRPr/>
-            </a:pPr>
-            <a:r>
-              <a:rPr lang="zh-CN" altLang="en-US" sz="1600" b="1" i="0" u="none" baseline="0">
-                <a:solidFill>
-                  <a:srgbClr val="000000"/>
-                </a:solidFill>
-                <a:latin typeface="微软雅黑"/>
-                <a:ea typeface="微软雅黑"/>
-              </a:rPr>
-              <a:t> </a:t>
-            </a:r>
-            <a:endParaRPr lang="en-US" sz="1100"/>
-          </a:p>
-        </p:txBody>
-      </p:sp>
-      <p:sp>
-        <p:nvSpPr>
-          <p:cNvPr id="5" name="AutoShape 5"/>
-          <p:cNvSpPr>
-            <a:spLocks noGrp="1"/>
-          </p:cNvSpPr>
-          <p:nvPr>
-            <p:ph type="title"/>
-          </p:nvPr>
-        </p:nvSpPr>
-        <p:spPr>
-          <a:xfrm>
-            <a:off x="660400" y="0"/>
-            <a:ext cx="10858500" cy="1028700"/>
-          </a:xfrm>
-        </p:spPr>
-        <p:txBody>
-          <a:bodyPr vert="horz" lIns="91440" tIns="45720" rIns="91440" bIns="45720" anchor="b">
-            <a:normAutofit/>
-          </a:bodyPr>
-          <a:lstStyle/>
-          <a:p>
-            <a:pPr algn="l">
-              <a:lnSpc>
-                <a:spcPct val="100000"/>
-              </a:lnSpc>
-              <a:spcBef>
-                <a:spcPct val="0"/>
-              </a:spcBef>
-            </a:pPr>
-            <a:r>
-              <a:rPr lang="en-US" altLang="zh-CN" sz="2800" b="1" i="0" u="none" baseline="0" dirty="0">
-                <a:solidFill>
-                  <a:schemeClr val="accent1"/>
-                </a:solidFill>
-                <a:latin typeface="微软雅黑"/>
-                <a:ea typeface="微软雅黑"/>
-              </a:rPr>
-              <a:t>Ground Water Storage Variations across India</a:t>
-            </a:r>
-            <a:endParaRPr lang="zh-CN" altLang="en-US" sz="2800" b="1" i="0" u="none" baseline="0" dirty="0">
-              <a:solidFill>
-                <a:schemeClr val="accent1"/>
-              </a:solidFill>
-              <a:latin typeface="微软雅黑"/>
-              <a:ea typeface="微软雅黑"/>
-            </a:endParaRPr>
-          </a:p>
-        </p:txBody>
-      </p:sp>
-      <p:sp>
-        <p:nvSpPr>
-          <p:cNvPr id="14" name="TextBox 13">
-            <a:extLst>
-              <a:ext uri="{FF2B5EF4-FFF2-40B4-BE49-F238E27FC236}">
-                <a16:creationId xmlns:a16="http://schemas.microsoft.com/office/drawing/2014/main" id="{7D22055A-81D0-7167-4567-E4318AA87085}"/>
-              </a:ext>
-            </a:extLst>
-          </p:cNvPr>
-          <p:cNvSpPr txBox="1"/>
-          <p:nvPr/>
-        </p:nvSpPr>
-        <p:spPr>
-          <a:xfrm>
-            <a:off x="4876800" y="1168297"/>
-            <a:ext cx="3252390" cy="369332"/>
-          </a:xfrm>
-          <a:prstGeom prst="rect">
-            <a:avLst/>
-          </a:prstGeom>
-          <a:noFill/>
-        </p:spPr>
-        <p:txBody>
-          <a:bodyPr wrap="square">
-            <a:spAutoFit/>
-          </a:bodyPr>
-          <a:lstStyle/>
-          <a:p>
-            <a:r>
-              <a:rPr lang="en-IN" b="0" i="0" dirty="0">
-                <a:solidFill>
-                  <a:srgbClr val="1A1A1A"/>
-                </a:solidFill>
-                <a:effectLst/>
-                <a:latin typeface="Inter"/>
-              </a:rPr>
-              <a:t>Root Zone Soil Moisture</a:t>
-            </a:r>
-            <a:endParaRPr lang="en-IN" dirty="0"/>
-          </a:p>
-        </p:txBody>
-      </p:sp>
-      <p:sp>
-        <p:nvSpPr>
-          <p:cNvPr id="15" name="TextBox 14">
-            <a:extLst>
-              <a:ext uri="{FF2B5EF4-FFF2-40B4-BE49-F238E27FC236}">
-                <a16:creationId xmlns:a16="http://schemas.microsoft.com/office/drawing/2014/main" id="{ECC21181-ED27-3DC6-C0C3-6C19E70FB40C}"/>
-              </a:ext>
-            </a:extLst>
-          </p:cNvPr>
-          <p:cNvSpPr txBox="1"/>
-          <p:nvPr/>
-        </p:nvSpPr>
-        <p:spPr>
-          <a:xfrm>
-            <a:off x="762000" y="5505158"/>
-            <a:ext cx="2590800" cy="369332"/>
-          </a:xfrm>
-          <a:prstGeom prst="rect">
-            <a:avLst/>
-          </a:prstGeom>
-          <a:noFill/>
-        </p:spPr>
-        <p:txBody>
-          <a:bodyPr wrap="square">
-            <a:spAutoFit/>
-          </a:bodyPr>
-          <a:lstStyle/>
-          <a:p>
-            <a:r>
-              <a:rPr lang="en-IN" b="0" i="0" dirty="0">
-                <a:solidFill>
-                  <a:srgbClr val="1A1A1A"/>
-                </a:solidFill>
-                <a:effectLst/>
-                <a:latin typeface="Inter"/>
-              </a:rPr>
-              <a:t>Week 1 (2</a:t>
-            </a:r>
-            <a:r>
-              <a:rPr lang="en-IN" b="0" i="0" baseline="30000" dirty="0">
-                <a:solidFill>
-                  <a:srgbClr val="1A1A1A"/>
-                </a:solidFill>
-                <a:effectLst/>
-                <a:latin typeface="Inter"/>
-              </a:rPr>
-              <a:t>nd</a:t>
-            </a:r>
-            <a:r>
-              <a:rPr lang="en-IN" b="0" i="0" dirty="0">
-                <a:solidFill>
-                  <a:srgbClr val="1A1A1A"/>
-                </a:solidFill>
-                <a:effectLst/>
-                <a:latin typeface="Inter"/>
-              </a:rPr>
-              <a:t> Jan 2023)</a:t>
-            </a:r>
-            <a:endParaRPr lang="en-IN" dirty="0"/>
-          </a:p>
-        </p:txBody>
-      </p:sp>
-      <p:sp>
-        <p:nvSpPr>
-          <p:cNvPr id="16" name="TextBox 15">
-            <a:extLst>
-              <a:ext uri="{FF2B5EF4-FFF2-40B4-BE49-F238E27FC236}">
-                <a16:creationId xmlns:a16="http://schemas.microsoft.com/office/drawing/2014/main" id="{A5F2D7CC-DF85-4F85-4494-A52EF1A2B176}"/>
-              </a:ext>
-            </a:extLst>
-          </p:cNvPr>
-          <p:cNvSpPr txBox="1"/>
-          <p:nvPr/>
-        </p:nvSpPr>
-        <p:spPr>
-          <a:xfrm>
-            <a:off x="4276635" y="5505037"/>
-            <a:ext cx="2590800" cy="369332"/>
-          </a:xfrm>
-          <a:prstGeom prst="rect">
-            <a:avLst/>
-          </a:prstGeom>
-          <a:noFill/>
-        </p:spPr>
-        <p:txBody>
-          <a:bodyPr wrap="square">
-            <a:spAutoFit/>
-          </a:bodyPr>
-          <a:lstStyle/>
-          <a:p>
-            <a:r>
-              <a:rPr lang="en-IN" b="0" i="0" dirty="0">
-                <a:solidFill>
-                  <a:srgbClr val="1A1A1A"/>
-                </a:solidFill>
-                <a:effectLst/>
-                <a:latin typeface="Inter"/>
-              </a:rPr>
-              <a:t>Week 53 (1</a:t>
-            </a:r>
-            <a:r>
-              <a:rPr lang="en-IN" b="0" i="0" baseline="30000" dirty="0">
-                <a:solidFill>
-                  <a:srgbClr val="1A1A1A"/>
-                </a:solidFill>
-                <a:effectLst/>
-                <a:latin typeface="Inter"/>
-              </a:rPr>
-              <a:t>st</a:t>
-            </a:r>
-            <a:r>
-              <a:rPr lang="en-IN" b="0" i="0" dirty="0">
-                <a:solidFill>
-                  <a:srgbClr val="1A1A1A"/>
-                </a:solidFill>
-                <a:effectLst/>
-                <a:latin typeface="Inter"/>
-              </a:rPr>
-              <a:t> Jan 2024)</a:t>
-            </a:r>
-            <a:endParaRPr lang="en-IN" dirty="0"/>
-          </a:p>
-        </p:txBody>
-      </p:sp>
-      <p:sp>
-        <p:nvSpPr>
-          <p:cNvPr id="17" name="TextBox 16">
-            <a:extLst>
-              <a:ext uri="{FF2B5EF4-FFF2-40B4-BE49-F238E27FC236}">
-                <a16:creationId xmlns:a16="http://schemas.microsoft.com/office/drawing/2014/main" id="{87F2D776-22C6-1262-0199-1B6ADA811AF8}"/>
-              </a:ext>
-            </a:extLst>
-          </p:cNvPr>
-          <p:cNvSpPr txBox="1"/>
-          <p:nvPr/>
-        </p:nvSpPr>
-        <p:spPr>
-          <a:xfrm>
-            <a:off x="8127478" y="5505037"/>
-            <a:ext cx="2590800" cy="369332"/>
-          </a:xfrm>
-          <a:prstGeom prst="rect">
-            <a:avLst/>
-          </a:prstGeom>
-          <a:noFill/>
-        </p:spPr>
-        <p:txBody>
-          <a:bodyPr wrap="square">
-            <a:spAutoFit/>
-          </a:bodyPr>
-          <a:lstStyle/>
-          <a:p>
-            <a:r>
-              <a:rPr lang="en-IN" b="0" i="0" dirty="0">
-                <a:solidFill>
-                  <a:srgbClr val="1A1A1A"/>
-                </a:solidFill>
-                <a:effectLst/>
-                <a:latin typeface="Inter"/>
-              </a:rPr>
-              <a:t>Week 71 (6</a:t>
-            </a:r>
-            <a:r>
-              <a:rPr lang="en-IN" b="0" i="0" baseline="30000" dirty="0">
-                <a:solidFill>
-                  <a:srgbClr val="1A1A1A"/>
-                </a:solidFill>
-                <a:effectLst/>
-                <a:latin typeface="Inter"/>
-              </a:rPr>
-              <a:t>th</a:t>
-            </a:r>
-            <a:r>
-              <a:rPr lang="en-IN" b="0" i="0" dirty="0">
-                <a:solidFill>
-                  <a:srgbClr val="1A1A1A"/>
-                </a:solidFill>
-                <a:effectLst/>
-                <a:latin typeface="Inter"/>
-              </a:rPr>
-              <a:t> May 2024)</a:t>
-            </a:r>
-            <a:endParaRPr lang="en-IN" dirty="0"/>
-          </a:p>
-        </p:txBody>
-      </p:sp>
-      <p:sp>
-        <p:nvSpPr>
-          <p:cNvPr id="18" name="TextBox 17">
-            <a:extLst>
-              <a:ext uri="{FF2B5EF4-FFF2-40B4-BE49-F238E27FC236}">
-                <a16:creationId xmlns:a16="http://schemas.microsoft.com/office/drawing/2014/main" id="{C31F0DE4-4CAF-EBC5-9CF2-CD3AC82B63A8}"/>
-              </a:ext>
-            </a:extLst>
-          </p:cNvPr>
-          <p:cNvSpPr txBox="1"/>
-          <p:nvPr/>
-        </p:nvSpPr>
-        <p:spPr>
-          <a:xfrm>
-            <a:off x="2667000" y="6166797"/>
-            <a:ext cx="7859562" cy="369332"/>
-          </a:xfrm>
-          <a:prstGeom prst="rect">
-            <a:avLst/>
-          </a:prstGeom>
-          <a:noFill/>
-        </p:spPr>
-        <p:txBody>
-          <a:bodyPr wrap="square" rtlCol="0">
-            <a:spAutoFit/>
-          </a:bodyPr>
-          <a:lstStyle/>
-          <a:p>
-            <a:r>
-              <a:rPr lang="en-US" dirty="0"/>
-              <a:t>We can see significant fall in RZSM across Southern part of India.</a:t>
-            </a:r>
-            <a:endParaRPr lang="en-IN" dirty="0"/>
-          </a:p>
-        </p:txBody>
-      </p:sp>
-      <p:pic>
-        <p:nvPicPr>
-          <p:cNvPr id="6" name="Picture 5">
-            <a:extLst>
-              <a:ext uri="{FF2B5EF4-FFF2-40B4-BE49-F238E27FC236}">
-                <a16:creationId xmlns:a16="http://schemas.microsoft.com/office/drawing/2014/main" id="{41869C68-674C-36F0-29A7-CFE38BD5217C}"/>
-              </a:ext>
-            </a:extLst>
-          </p:cNvPr>
-          <p:cNvPicPr>
-            <a:picLocks noChangeAspect="1"/>
-          </p:cNvPicPr>
-          <p:nvPr/>
-        </p:nvPicPr>
-        <p:blipFill>
-          <a:blip r:embed="rId2"/>
-          <a:stretch>
-            <a:fillRect/>
-          </a:stretch>
-        </p:blipFill>
-        <p:spPr>
-          <a:xfrm>
-            <a:off x="138742" y="1601972"/>
-            <a:ext cx="3540569" cy="3830017"/>
-          </a:xfrm>
-          <a:prstGeom prst="rect">
-            <a:avLst/>
-          </a:prstGeom>
-        </p:spPr>
-      </p:pic>
-      <p:pic>
-        <p:nvPicPr>
-          <p:cNvPr id="10" name="Picture 9">
-            <a:extLst>
-              <a:ext uri="{FF2B5EF4-FFF2-40B4-BE49-F238E27FC236}">
-                <a16:creationId xmlns:a16="http://schemas.microsoft.com/office/drawing/2014/main" id="{81ABEF4C-E265-28A3-A256-98AEED96425E}"/>
-              </a:ext>
-            </a:extLst>
-          </p:cNvPr>
-          <p:cNvPicPr>
-            <a:picLocks noChangeAspect="1"/>
-          </p:cNvPicPr>
-          <p:nvPr/>
-        </p:nvPicPr>
-        <p:blipFill>
-          <a:blip r:embed="rId3"/>
-          <a:stretch>
-            <a:fillRect/>
-          </a:stretch>
-        </p:blipFill>
-        <p:spPr>
-          <a:xfrm>
-            <a:off x="11343288" y="1200769"/>
-            <a:ext cx="635033" cy="4997707"/>
-          </a:xfrm>
-          <a:prstGeom prst="rect">
-            <a:avLst/>
-          </a:prstGeom>
-        </p:spPr>
-      </p:pic>
-      <p:pic>
-        <p:nvPicPr>
-          <p:cNvPr id="19" name="Picture 18">
-            <a:extLst>
-              <a:ext uri="{FF2B5EF4-FFF2-40B4-BE49-F238E27FC236}">
-                <a16:creationId xmlns:a16="http://schemas.microsoft.com/office/drawing/2014/main" id="{E94428FD-1257-4229-30E9-1D75ABDD955E}"/>
-              </a:ext>
-            </a:extLst>
-          </p:cNvPr>
-          <p:cNvPicPr>
-            <a:picLocks noChangeAspect="1"/>
-          </p:cNvPicPr>
-          <p:nvPr/>
-        </p:nvPicPr>
-        <p:blipFill>
-          <a:blip r:embed="rId4"/>
-          <a:stretch>
-            <a:fillRect/>
-          </a:stretch>
-        </p:blipFill>
-        <p:spPr>
-          <a:xfrm>
-            <a:off x="3841501" y="1579711"/>
-            <a:ext cx="3572906" cy="3850566"/>
-          </a:xfrm>
-          <a:prstGeom prst="rect">
-            <a:avLst/>
-          </a:prstGeom>
-        </p:spPr>
-      </p:pic>
-      <p:pic>
-        <p:nvPicPr>
-          <p:cNvPr id="21" name="Picture 20">
-            <a:extLst>
-              <a:ext uri="{FF2B5EF4-FFF2-40B4-BE49-F238E27FC236}">
-                <a16:creationId xmlns:a16="http://schemas.microsoft.com/office/drawing/2014/main" id="{A2BBEE69-03BC-8F39-DD2F-C7883039A975}"/>
-              </a:ext>
-            </a:extLst>
-          </p:cNvPr>
-          <p:cNvPicPr>
-            <a:picLocks noChangeAspect="1"/>
-          </p:cNvPicPr>
-          <p:nvPr/>
-        </p:nvPicPr>
-        <p:blipFill>
-          <a:blip r:embed="rId5"/>
-          <a:stretch>
-            <a:fillRect/>
-          </a:stretch>
-        </p:blipFill>
-        <p:spPr>
-          <a:xfrm>
-            <a:off x="7576597" y="1581686"/>
-            <a:ext cx="3598416" cy="3850567"/>
-          </a:xfrm>
-          <a:prstGeom prst="rect">
-            <a:avLst/>
-          </a:prstGeom>
-        </p:spPr>
-      </p:pic>
-    </p:spTree>
-    <p:extLst>
-      <p:ext uri="{BB962C8B-B14F-4D97-AF65-F5344CB8AC3E}">
-        <p14:creationId xmlns:p14="http://schemas.microsoft.com/office/powerpoint/2010/main" val="4130846854"/>
-      </p:ext>
-    </p:extLst>
-  </p:cSld>
-  <p:clrMapOvr>
-    <a:masterClrMapping/>
-  </p:clrMapOvr>
-</p:sld>
-</file>
-
-<file path=ppt/slides/slide7.xml><?xml version="1.0" encoding="utf-8"?>
-<p:sld xmlns:a="http://schemas.openxmlformats.org/drawingml/2006/main" xmlns:r="http://schemas.openxmlformats.org/officeDocument/2006/relationships" xmlns:p="http://schemas.openxmlformats.org/presentationml/2006/main">
-  <p:cSld>
-    <p:spTree>
-      <p:nvGrpSpPr>
-        <p:cNvPr id="1" name=""/>
-        <p:cNvGrpSpPr/>
-        <p:nvPr/>
-      </p:nvGrpSpPr>
-      <p:grpSpPr>
-        <a:xfrm>
-          <a:off x="0" y="0"/>
-          <a:ext cx="0" cy="0"/>
-          <a:chOff x="0" y="0"/>
-          <a:chExt cx="0" cy="0"/>
-        </a:xfrm>
-      </p:grpSpPr>
-      <p:sp>
-        <p:nvSpPr>
-          <p:cNvPr id="2" name="TextBox 2"/>
-          <p:cNvSpPr txBox="1"/>
-          <p:nvPr/>
-        </p:nvSpPr>
-        <p:spPr>
-          <a:xfrm>
-            <a:off x="1055838" y="3311518"/>
-            <a:ext cx="5040161" cy="1670073"/>
-          </a:xfrm>
-          <a:prstGeom prst="rect">
-            <a:avLst/>
-          </a:prstGeom>
-          <a:noFill/>
-        </p:spPr>
-        <p:txBody>
-          <a:bodyPr vert="horz" wrap="square" lIns="91440" tIns="45720" rIns="91440" bIns="45720" rtlCol="0" anchor="t">
-            <a:spAutoFit/>
-          </a:bodyPr>
-          <a:lstStyle/>
-          <a:p>
-            <a:pPr marL="0" algn="just">
-              <a:lnSpc>
-                <a:spcPct val="150000"/>
-              </a:lnSpc>
-              <a:defRPr/>
-            </a:pPr>
-            <a:r>
-              <a:rPr lang="en-US" sz="1400" b="0" i="0" u="none" baseline="0">
-                <a:solidFill>
-                  <a:srgbClr val="000000">
-                    <a:lumMod val="95000"/>
-                    <a:lumOff val="5000"/>
-                  </a:srgbClr>
-                </a:solidFill>
-                <a:latin typeface="+mn-ea"/>
-                <a:ea typeface="+mn-ea"/>
-              </a:rPr>
-              <a:t> </a:t>
-            </a:r>
-            <a:endParaRPr lang="en-US" sz="1100"/>
-          </a:p>
-        </p:txBody>
-      </p:sp>
-      <p:sp>
-        <p:nvSpPr>
-          <p:cNvPr id="3" name="TextBox 3"/>
-          <p:cNvSpPr txBox="1"/>
-          <p:nvPr/>
-        </p:nvSpPr>
-        <p:spPr>
-          <a:xfrm>
-            <a:off x="1055839" y="2833367"/>
-            <a:ext cx="5014836" cy="338554"/>
-          </a:xfrm>
-          <a:prstGeom prst="rect">
-            <a:avLst/>
-          </a:prstGeom>
-          <a:noFill/>
-        </p:spPr>
-        <p:txBody>
-          <a:bodyPr vert="horz" wrap="square" lIns="91440" tIns="45720" rIns="91440" bIns="45720" rtlCol="0" anchor="b">
-            <a:spAutoFit/>
-          </a:bodyPr>
-          <a:lstStyle/>
-          <a:p>
-            <a:pPr marL="0" marR="0" indent="0" algn="l" fontAlgn="auto">
-              <a:lnSpc>
-                <a:spcPct val="100000"/>
-              </a:lnSpc>
-              <a:spcBef>
-                <a:spcPct val="0"/>
-              </a:spcBef>
-              <a:spcAft>
-                <a:spcPct val="0"/>
-              </a:spcAft>
-              <a:defRPr/>
-            </a:pPr>
-            <a:r>
-              <a:rPr lang="zh-CN" altLang="en-US" sz="1600" b="1" i="0" u="none" baseline="0">
-                <a:solidFill>
-                  <a:srgbClr val="000000"/>
-                </a:solidFill>
-                <a:latin typeface="微软雅黑"/>
-                <a:ea typeface="微软雅黑"/>
-              </a:rPr>
-              <a:t> </a:t>
-            </a:r>
-            <a:endParaRPr lang="en-US" sz="1100"/>
-          </a:p>
-        </p:txBody>
-      </p:sp>
-      <p:sp>
-        <p:nvSpPr>
-          <p:cNvPr id="5" name="AutoShape 5"/>
-          <p:cNvSpPr>
-            <a:spLocks noGrp="1"/>
-          </p:cNvSpPr>
-          <p:nvPr>
-            <p:ph type="title"/>
-          </p:nvPr>
-        </p:nvSpPr>
-        <p:spPr>
-          <a:xfrm>
-            <a:off x="660400" y="0"/>
-            <a:ext cx="10858500" cy="1028700"/>
-          </a:xfrm>
-        </p:spPr>
-        <p:txBody>
-          <a:bodyPr vert="horz" lIns="91440" tIns="45720" rIns="91440" bIns="45720" anchor="b">
-            <a:normAutofit/>
-          </a:bodyPr>
-          <a:lstStyle/>
-          <a:p>
-            <a:pPr algn="l">
-              <a:lnSpc>
-                <a:spcPct val="100000"/>
-              </a:lnSpc>
-              <a:spcBef>
-                <a:spcPct val="0"/>
-              </a:spcBef>
-            </a:pPr>
-            <a:r>
-              <a:rPr lang="en-US" altLang="zh-CN" sz="2800" b="1" i="0" u="none" baseline="0" dirty="0">
-                <a:solidFill>
-                  <a:schemeClr val="accent1"/>
-                </a:solidFill>
-                <a:latin typeface="微软雅黑"/>
-                <a:ea typeface="微软雅黑"/>
-              </a:rPr>
-              <a:t>Ground Water Storage Variations across India</a:t>
-            </a:r>
-            <a:endParaRPr lang="zh-CN" altLang="en-US" sz="2800" b="1" i="0" u="none" baseline="0" dirty="0">
-              <a:solidFill>
-                <a:schemeClr val="accent1"/>
-              </a:solidFill>
-              <a:latin typeface="微软雅黑"/>
-              <a:ea typeface="微软雅黑"/>
-            </a:endParaRPr>
-          </a:p>
-        </p:txBody>
-      </p:sp>
-      <p:sp>
-        <p:nvSpPr>
-          <p:cNvPr id="14" name="TextBox 13">
-            <a:extLst>
-              <a:ext uri="{FF2B5EF4-FFF2-40B4-BE49-F238E27FC236}">
-                <a16:creationId xmlns:a16="http://schemas.microsoft.com/office/drawing/2014/main" id="{7D22055A-81D0-7167-4567-E4318AA87085}"/>
-              </a:ext>
-            </a:extLst>
-          </p:cNvPr>
-          <p:cNvSpPr txBox="1"/>
-          <p:nvPr/>
-        </p:nvSpPr>
-        <p:spPr>
-          <a:xfrm>
-            <a:off x="4876800" y="1168297"/>
-            <a:ext cx="3252390" cy="369332"/>
-          </a:xfrm>
-          <a:prstGeom prst="rect">
-            <a:avLst/>
-          </a:prstGeom>
-          <a:noFill/>
-        </p:spPr>
-        <p:txBody>
-          <a:bodyPr wrap="square">
-            <a:spAutoFit/>
-          </a:bodyPr>
-          <a:lstStyle/>
-          <a:p>
-            <a:r>
-              <a:rPr lang="en-IN" b="0" i="0" dirty="0">
-                <a:solidFill>
-                  <a:srgbClr val="1A1A1A"/>
-                </a:solidFill>
-                <a:effectLst/>
-                <a:latin typeface="Inter"/>
-              </a:rPr>
-              <a:t>Surface Soil Moisture</a:t>
-            </a:r>
-            <a:endParaRPr lang="en-IN" dirty="0"/>
-          </a:p>
-        </p:txBody>
-      </p:sp>
-      <p:sp>
-        <p:nvSpPr>
-          <p:cNvPr id="15" name="TextBox 14">
-            <a:extLst>
-              <a:ext uri="{FF2B5EF4-FFF2-40B4-BE49-F238E27FC236}">
-                <a16:creationId xmlns:a16="http://schemas.microsoft.com/office/drawing/2014/main" id="{ECC21181-ED27-3DC6-C0C3-6C19E70FB40C}"/>
-              </a:ext>
-            </a:extLst>
-          </p:cNvPr>
-          <p:cNvSpPr txBox="1"/>
-          <p:nvPr/>
-        </p:nvSpPr>
-        <p:spPr>
-          <a:xfrm>
-            <a:off x="762000" y="5505158"/>
-            <a:ext cx="2590800" cy="369332"/>
-          </a:xfrm>
-          <a:prstGeom prst="rect">
-            <a:avLst/>
-          </a:prstGeom>
-          <a:noFill/>
-        </p:spPr>
-        <p:txBody>
-          <a:bodyPr wrap="square">
-            <a:spAutoFit/>
-          </a:bodyPr>
-          <a:lstStyle/>
-          <a:p>
-            <a:r>
-              <a:rPr lang="en-IN" b="0" i="0" dirty="0">
-                <a:solidFill>
-                  <a:srgbClr val="1A1A1A"/>
-                </a:solidFill>
-                <a:effectLst/>
-                <a:latin typeface="Inter"/>
-              </a:rPr>
-              <a:t>Week 1 (2</a:t>
-            </a:r>
-            <a:r>
-              <a:rPr lang="en-IN" b="0" i="0" baseline="30000" dirty="0">
-                <a:solidFill>
-                  <a:srgbClr val="1A1A1A"/>
-                </a:solidFill>
-                <a:effectLst/>
-                <a:latin typeface="Inter"/>
-              </a:rPr>
-              <a:t>nd</a:t>
-            </a:r>
-            <a:r>
-              <a:rPr lang="en-IN" b="0" i="0" dirty="0">
-                <a:solidFill>
-                  <a:srgbClr val="1A1A1A"/>
-                </a:solidFill>
-                <a:effectLst/>
-                <a:latin typeface="Inter"/>
-              </a:rPr>
-              <a:t> Jan 2023)</a:t>
-            </a:r>
-            <a:endParaRPr lang="en-IN" dirty="0"/>
-          </a:p>
-        </p:txBody>
-      </p:sp>
-      <p:sp>
-        <p:nvSpPr>
-          <p:cNvPr id="16" name="TextBox 15">
-            <a:extLst>
-              <a:ext uri="{FF2B5EF4-FFF2-40B4-BE49-F238E27FC236}">
-                <a16:creationId xmlns:a16="http://schemas.microsoft.com/office/drawing/2014/main" id="{A5F2D7CC-DF85-4F85-4494-A52EF1A2B176}"/>
-              </a:ext>
-            </a:extLst>
-          </p:cNvPr>
-          <p:cNvSpPr txBox="1"/>
-          <p:nvPr/>
-        </p:nvSpPr>
-        <p:spPr>
-          <a:xfrm>
-            <a:off x="4276635" y="5505037"/>
-            <a:ext cx="2590800" cy="369332"/>
-          </a:xfrm>
-          <a:prstGeom prst="rect">
-            <a:avLst/>
-          </a:prstGeom>
-          <a:noFill/>
-        </p:spPr>
-        <p:txBody>
-          <a:bodyPr wrap="square">
-            <a:spAutoFit/>
-          </a:bodyPr>
-          <a:lstStyle/>
-          <a:p>
-            <a:r>
-              <a:rPr lang="en-IN" b="0" i="0" dirty="0">
-                <a:solidFill>
-                  <a:srgbClr val="1A1A1A"/>
-                </a:solidFill>
-                <a:effectLst/>
-                <a:latin typeface="Inter"/>
-              </a:rPr>
-              <a:t>Week 53 (1</a:t>
-            </a:r>
-            <a:r>
-              <a:rPr lang="en-IN" b="0" i="0" baseline="30000" dirty="0">
-                <a:solidFill>
-                  <a:srgbClr val="1A1A1A"/>
-                </a:solidFill>
-                <a:effectLst/>
-                <a:latin typeface="Inter"/>
-              </a:rPr>
-              <a:t>st</a:t>
-            </a:r>
-            <a:r>
-              <a:rPr lang="en-IN" b="0" i="0" dirty="0">
-                <a:solidFill>
-                  <a:srgbClr val="1A1A1A"/>
-                </a:solidFill>
-                <a:effectLst/>
-                <a:latin typeface="Inter"/>
-              </a:rPr>
-              <a:t> Jan 2024)</a:t>
-            </a:r>
-            <a:endParaRPr lang="en-IN" dirty="0"/>
-          </a:p>
-        </p:txBody>
-      </p:sp>
-      <p:sp>
-        <p:nvSpPr>
-          <p:cNvPr id="17" name="TextBox 16">
-            <a:extLst>
-              <a:ext uri="{FF2B5EF4-FFF2-40B4-BE49-F238E27FC236}">
-                <a16:creationId xmlns:a16="http://schemas.microsoft.com/office/drawing/2014/main" id="{87F2D776-22C6-1262-0199-1B6ADA811AF8}"/>
-              </a:ext>
-            </a:extLst>
-          </p:cNvPr>
-          <p:cNvSpPr txBox="1"/>
-          <p:nvPr/>
-        </p:nvSpPr>
-        <p:spPr>
-          <a:xfrm>
-            <a:off x="8127478" y="5505037"/>
-            <a:ext cx="2590800" cy="369332"/>
-          </a:xfrm>
-          <a:prstGeom prst="rect">
-            <a:avLst/>
-          </a:prstGeom>
-          <a:noFill/>
-        </p:spPr>
-        <p:txBody>
-          <a:bodyPr wrap="square">
-            <a:spAutoFit/>
-          </a:bodyPr>
-          <a:lstStyle/>
-          <a:p>
-            <a:r>
-              <a:rPr lang="en-IN" b="0" i="0" dirty="0">
-                <a:solidFill>
-                  <a:srgbClr val="1A1A1A"/>
-                </a:solidFill>
-                <a:effectLst/>
-                <a:latin typeface="Inter"/>
-              </a:rPr>
-              <a:t>Week 71 (6</a:t>
-            </a:r>
-            <a:r>
-              <a:rPr lang="en-IN" b="0" i="0" baseline="30000" dirty="0">
-                <a:solidFill>
-                  <a:srgbClr val="1A1A1A"/>
-                </a:solidFill>
-                <a:effectLst/>
-                <a:latin typeface="Inter"/>
-              </a:rPr>
-              <a:t>th</a:t>
-            </a:r>
-            <a:r>
-              <a:rPr lang="en-IN" b="0" i="0" dirty="0">
-                <a:solidFill>
-                  <a:srgbClr val="1A1A1A"/>
-                </a:solidFill>
-                <a:effectLst/>
-                <a:latin typeface="Inter"/>
-              </a:rPr>
-              <a:t> May 2024)</a:t>
-            </a:r>
-            <a:endParaRPr lang="en-IN" dirty="0"/>
-          </a:p>
-        </p:txBody>
-      </p:sp>
-      <p:sp>
-        <p:nvSpPr>
-          <p:cNvPr id="18" name="TextBox 17">
-            <a:extLst>
-              <a:ext uri="{FF2B5EF4-FFF2-40B4-BE49-F238E27FC236}">
-                <a16:creationId xmlns:a16="http://schemas.microsoft.com/office/drawing/2014/main" id="{C31F0DE4-4CAF-EBC5-9CF2-CD3AC82B63A8}"/>
-              </a:ext>
-            </a:extLst>
-          </p:cNvPr>
-          <p:cNvSpPr txBox="1"/>
-          <p:nvPr/>
-        </p:nvSpPr>
-        <p:spPr>
-          <a:xfrm>
-            <a:off x="2667000" y="6166797"/>
-            <a:ext cx="7859562" cy="369332"/>
-          </a:xfrm>
-          <a:prstGeom prst="rect">
-            <a:avLst/>
-          </a:prstGeom>
-          <a:noFill/>
-        </p:spPr>
-        <p:txBody>
-          <a:bodyPr wrap="square" rtlCol="0">
-            <a:spAutoFit/>
-          </a:bodyPr>
-          <a:lstStyle/>
-          <a:p>
-            <a:r>
-              <a:rPr lang="en-US" dirty="0"/>
-              <a:t>We can see significant falls in SFSM across Southern part of India.</a:t>
-            </a:r>
-            <a:endParaRPr lang="en-IN" dirty="0"/>
-          </a:p>
-        </p:txBody>
-      </p:sp>
-      <p:pic>
-        <p:nvPicPr>
-          <p:cNvPr id="6" name="Picture 5">
-            <a:extLst>
-              <a:ext uri="{FF2B5EF4-FFF2-40B4-BE49-F238E27FC236}">
-                <a16:creationId xmlns:a16="http://schemas.microsoft.com/office/drawing/2014/main" id="{8C506AAB-2E5D-B0CC-F13C-C6D80B77A6C4}"/>
-              </a:ext>
-            </a:extLst>
-          </p:cNvPr>
-          <p:cNvPicPr>
-            <a:picLocks noChangeAspect="1"/>
-          </p:cNvPicPr>
-          <p:nvPr/>
-        </p:nvPicPr>
-        <p:blipFill>
-          <a:blip r:embed="rId2"/>
-          <a:stretch>
-            <a:fillRect/>
-          </a:stretch>
-        </p:blipFill>
-        <p:spPr>
-          <a:xfrm>
-            <a:off x="200339" y="1659375"/>
-            <a:ext cx="3533975" cy="3704474"/>
-          </a:xfrm>
-          <a:prstGeom prst="rect">
-            <a:avLst/>
-          </a:prstGeom>
-        </p:spPr>
-      </p:pic>
-      <p:pic>
-        <p:nvPicPr>
-          <p:cNvPr id="10" name="Picture 9">
-            <a:extLst>
-              <a:ext uri="{FF2B5EF4-FFF2-40B4-BE49-F238E27FC236}">
-                <a16:creationId xmlns:a16="http://schemas.microsoft.com/office/drawing/2014/main" id="{C5157C2D-9B95-C6F4-F03C-666F9A8528BE}"/>
-              </a:ext>
-            </a:extLst>
-          </p:cNvPr>
-          <p:cNvPicPr>
-            <a:picLocks noChangeAspect="1"/>
-          </p:cNvPicPr>
-          <p:nvPr/>
-        </p:nvPicPr>
-        <p:blipFill>
-          <a:blip r:embed="rId3"/>
-          <a:stretch>
-            <a:fillRect/>
-          </a:stretch>
-        </p:blipFill>
-        <p:spPr>
-          <a:xfrm>
-            <a:off x="3866152" y="1649096"/>
-            <a:ext cx="3474458" cy="3721164"/>
-          </a:xfrm>
-          <a:prstGeom prst="rect">
-            <a:avLst/>
-          </a:prstGeom>
-        </p:spPr>
-      </p:pic>
-      <p:pic>
-        <p:nvPicPr>
-          <p:cNvPr id="19" name="Picture 18">
-            <a:extLst>
-              <a:ext uri="{FF2B5EF4-FFF2-40B4-BE49-F238E27FC236}">
-                <a16:creationId xmlns:a16="http://schemas.microsoft.com/office/drawing/2014/main" id="{009F376B-5FA5-E1B7-60EA-397ACC84571B}"/>
-              </a:ext>
-            </a:extLst>
-          </p:cNvPr>
-          <p:cNvPicPr>
-            <a:picLocks noChangeAspect="1"/>
-          </p:cNvPicPr>
-          <p:nvPr/>
-        </p:nvPicPr>
-        <p:blipFill>
-          <a:blip r:embed="rId4"/>
-          <a:stretch>
-            <a:fillRect/>
-          </a:stretch>
-        </p:blipFill>
-        <p:spPr>
-          <a:xfrm>
-            <a:off x="7481291" y="1645676"/>
-            <a:ext cx="3475587" cy="3724584"/>
-          </a:xfrm>
-          <a:prstGeom prst="rect">
-            <a:avLst/>
-          </a:prstGeom>
-        </p:spPr>
-      </p:pic>
-      <p:pic>
-        <p:nvPicPr>
-          <p:cNvPr id="21" name="Picture 20">
-            <a:extLst>
-              <a:ext uri="{FF2B5EF4-FFF2-40B4-BE49-F238E27FC236}">
-                <a16:creationId xmlns:a16="http://schemas.microsoft.com/office/drawing/2014/main" id="{7EF01F7F-BBB9-419F-5A5B-E8538529D5EC}"/>
-              </a:ext>
-            </a:extLst>
-          </p:cNvPr>
-          <p:cNvPicPr>
-            <a:picLocks noChangeAspect="1"/>
-          </p:cNvPicPr>
-          <p:nvPr/>
-        </p:nvPicPr>
-        <p:blipFill>
-          <a:blip r:embed="rId5"/>
-          <a:stretch>
-            <a:fillRect/>
-          </a:stretch>
-        </p:blipFill>
-        <p:spPr>
-          <a:xfrm>
-            <a:off x="11214084" y="1295400"/>
-            <a:ext cx="609631" cy="4997707"/>
-          </a:xfrm>
-          <a:prstGeom prst="rect">
-            <a:avLst/>
-          </a:prstGeom>
-        </p:spPr>
-      </p:pic>
-    </p:spTree>
-    <p:extLst>
-      <p:ext uri="{BB962C8B-B14F-4D97-AF65-F5344CB8AC3E}">
-        <p14:creationId xmlns:p14="http://schemas.microsoft.com/office/powerpoint/2010/main" val="1990230275"/>
-      </p:ext>
-    </p:extLst>
-  </p:cSld>
-  <p:clrMapOvr>
-    <a:masterClrMapping/>
-  </p:clrMapOvr>
-</p:sld>
-</file>
-
-<file path=ppt/slides/slide8.xml><?xml version="1.0" encoding="utf-8"?>
-<p:sld xmlns:a="http://schemas.openxmlformats.org/drawingml/2006/main" xmlns:r="http://schemas.openxmlformats.org/officeDocument/2006/relationships" xmlns:p="http://schemas.openxmlformats.org/presentationml/2006/main">
-  <p:cSld>
     <p:bg>
       <p:bgPr>
         <a:solidFill>
@@ -16287,7 +11018,7 @@
           <p:nvPr>
             <p:extLst>
               <p:ext uri="{D42A27DB-BD31-4B8C-83A1-F6EECF244321}">
-                <p14:modId xmlns:p14="http://schemas.microsoft.com/office/powerpoint/2010/main" val="3237368193"/>
+                <p14:modId xmlns:p14="http://schemas.microsoft.com/office/powerpoint/2010/main" val="423123996"/>
               </p:ext>
             </p:extLst>
           </p:nvPr>
@@ -16822,7 +11553,7 @@
                     <a:p>
                       <a:pPr algn="ctr" fontAlgn="b"/>
                       <a:r>
-                        <a:rPr lang="en-US" sz="1800" b="0" i="0" kern="1200" dirty="0">
+                        <a:rPr lang="en-US" sz="1800" b="1" i="0" kern="1200" dirty="0">
                           <a:solidFill>
                             <a:srgbClr val="1A1A1A"/>
                           </a:solidFill>
@@ -16833,7 +11564,7 @@
                         </a:rPr>
                         <a:t>87.82</a:t>
                       </a:r>
-                      <a:endParaRPr lang="en-IN" sz="1800" b="0" i="0" kern="1200" dirty="0">
+                      <a:endParaRPr lang="en-IN" sz="1800" b="1" i="0" kern="1200" dirty="0">
                         <a:solidFill>
                           <a:srgbClr val="1A1A1A"/>
                         </a:solidFill>
@@ -17020,7 +11751,289 @@
 </p:sld>
 </file>
 
-<file path=ppt/slides/slide9.xml><?xml version="1.0" encoding="utf-8"?>
+<file path=ppt/slides/slide6.xml><?xml version="1.0" encoding="utf-8"?>
+<p:sld xmlns:a="http://schemas.openxmlformats.org/drawingml/2006/main" xmlns:r="http://schemas.openxmlformats.org/officeDocument/2006/relationships" xmlns:p="http://schemas.openxmlformats.org/presentationml/2006/main">
+  <p:cSld>
+    <p:spTree>
+      <p:nvGrpSpPr>
+        <p:cNvPr id="1" name=""/>
+        <p:cNvGrpSpPr/>
+        <p:nvPr/>
+      </p:nvGrpSpPr>
+      <p:grpSpPr>
+        <a:xfrm>
+          <a:off x="0" y="0"/>
+          <a:ext cx="0" cy="0"/>
+          <a:chOff x="0" y="0"/>
+          <a:chExt cx="0" cy="0"/>
+        </a:xfrm>
+      </p:grpSpPr>
+      <p:sp>
+        <p:nvSpPr>
+          <p:cNvPr id="3" name="TextBox 3"/>
+          <p:cNvSpPr txBox="1"/>
+          <p:nvPr/>
+        </p:nvSpPr>
+        <p:spPr>
+          <a:xfrm>
+            <a:off x="1055839" y="2833367"/>
+            <a:ext cx="5014836" cy="338554"/>
+          </a:xfrm>
+          <a:prstGeom prst="rect">
+            <a:avLst/>
+          </a:prstGeom>
+          <a:noFill/>
+        </p:spPr>
+        <p:txBody>
+          <a:bodyPr vert="horz" wrap="square" lIns="91440" tIns="45720" rIns="91440" bIns="45720" rtlCol="0" anchor="b">
+            <a:spAutoFit/>
+          </a:bodyPr>
+          <a:lstStyle/>
+          <a:p>
+            <a:pPr marL="0" marR="0" indent="0" algn="l" fontAlgn="auto">
+              <a:lnSpc>
+                <a:spcPct val="100000"/>
+              </a:lnSpc>
+              <a:spcBef>
+                <a:spcPct val="0"/>
+              </a:spcBef>
+              <a:spcAft>
+                <a:spcPct val="0"/>
+              </a:spcAft>
+              <a:defRPr/>
+            </a:pPr>
+            <a:r>
+              <a:rPr lang="zh-CN" altLang="en-US" sz="1600" b="1" i="0" u="none" baseline="0">
+                <a:solidFill>
+                  <a:srgbClr val="000000"/>
+                </a:solidFill>
+                <a:latin typeface="微软雅黑"/>
+                <a:ea typeface="微软雅黑"/>
+              </a:rPr>
+              <a:t> </a:t>
+            </a:r>
+            <a:endParaRPr lang="en-US" sz="1100"/>
+          </a:p>
+        </p:txBody>
+      </p:sp>
+      <p:sp>
+        <p:nvSpPr>
+          <p:cNvPr id="5" name="AutoShape 5"/>
+          <p:cNvSpPr>
+            <a:spLocks noGrp="1"/>
+          </p:cNvSpPr>
+          <p:nvPr>
+            <p:ph type="title"/>
+          </p:nvPr>
+        </p:nvSpPr>
+        <p:spPr>
+          <a:xfrm>
+            <a:off x="660400" y="0"/>
+            <a:ext cx="10858500" cy="1028700"/>
+          </a:xfrm>
+        </p:spPr>
+        <p:txBody>
+          <a:bodyPr vert="horz" lIns="91440" tIns="45720" rIns="91440" bIns="45720" anchor="b">
+            <a:normAutofit/>
+          </a:bodyPr>
+          <a:lstStyle/>
+          <a:p>
+            <a:pPr algn="l">
+              <a:lnSpc>
+                <a:spcPct val="100000"/>
+              </a:lnSpc>
+              <a:spcBef>
+                <a:spcPct val="0"/>
+              </a:spcBef>
+            </a:pPr>
+            <a:r>
+              <a:rPr lang="en-US" altLang="zh-CN" sz="2800" b="1" i="0" u="none" baseline="0" dirty="0" err="1">
+                <a:solidFill>
+                  <a:schemeClr val="accent1"/>
+                </a:solidFill>
+                <a:latin typeface="微软雅黑"/>
+                <a:ea typeface="微软雅黑"/>
+              </a:rPr>
+              <a:t>Streamlit</a:t>
+            </a:r>
+            <a:r>
+              <a:rPr lang="en-US" altLang="zh-CN" sz="2800" b="1" i="0" u="none" baseline="0" dirty="0">
+                <a:solidFill>
+                  <a:schemeClr val="accent1"/>
+                </a:solidFill>
+                <a:latin typeface="微软雅黑"/>
+                <a:ea typeface="微软雅黑"/>
+              </a:rPr>
+              <a:t> Website</a:t>
+            </a:r>
+            <a:endParaRPr lang="zh-CN" altLang="en-US" sz="2800" b="1" i="0" u="none" baseline="0" dirty="0">
+              <a:solidFill>
+                <a:schemeClr val="accent1"/>
+              </a:solidFill>
+              <a:latin typeface="微软雅黑"/>
+              <a:ea typeface="微软雅黑"/>
+            </a:endParaRPr>
+          </a:p>
+        </p:txBody>
+      </p:sp>
+      <p:pic>
+        <p:nvPicPr>
+          <p:cNvPr id="6" name="Picture 5">
+            <a:extLst>
+              <a:ext uri="{FF2B5EF4-FFF2-40B4-BE49-F238E27FC236}">
+                <a16:creationId xmlns:a16="http://schemas.microsoft.com/office/drawing/2014/main" id="{83C1D220-60B6-B082-8156-38A653047E8D}"/>
+              </a:ext>
+            </a:extLst>
+          </p:cNvPr>
+          <p:cNvPicPr>
+            <a:picLocks noChangeAspect="1"/>
+          </p:cNvPicPr>
+          <p:nvPr/>
+        </p:nvPicPr>
+        <p:blipFill>
+          <a:blip r:embed="rId2">
+            <a:extLst>
+              <a:ext uri="{28A0092B-C50C-407E-A947-70E740481C1C}">
+                <a14:useLocalDpi xmlns:a14="http://schemas.microsoft.com/office/drawing/2010/main" val="0"/>
+              </a:ext>
+            </a:extLst>
+          </a:blip>
+          <a:srcRect l="22822" t="4509" r="23332" b="6693"/>
+          <a:stretch/>
+        </p:blipFill>
+        <p:spPr>
+          <a:xfrm>
+            <a:off x="443005" y="1143000"/>
+            <a:ext cx="5334000" cy="4267200"/>
+          </a:xfrm>
+          <a:prstGeom prst="rect">
+            <a:avLst/>
+          </a:prstGeom>
+        </p:spPr>
+      </p:pic>
+      <p:pic>
+        <p:nvPicPr>
+          <p:cNvPr id="10" name="Picture 9">
+            <a:extLst>
+              <a:ext uri="{FF2B5EF4-FFF2-40B4-BE49-F238E27FC236}">
+                <a16:creationId xmlns:a16="http://schemas.microsoft.com/office/drawing/2014/main" id="{9E8B0244-7902-F0E4-6890-B422D95D9029}"/>
+              </a:ext>
+            </a:extLst>
+          </p:cNvPr>
+          <p:cNvPicPr>
+            <a:picLocks noChangeAspect="1"/>
+          </p:cNvPicPr>
+          <p:nvPr/>
+        </p:nvPicPr>
+        <p:blipFill>
+          <a:blip r:embed="rId3">
+            <a:extLst>
+              <a:ext uri="{28A0092B-C50C-407E-A947-70E740481C1C}">
+                <a14:useLocalDpi xmlns:a14="http://schemas.microsoft.com/office/drawing/2010/main" val="0"/>
+              </a:ext>
+            </a:extLst>
+          </a:blip>
+          <a:srcRect l="23502" t="4545" r="24132" b="13637"/>
+          <a:stretch/>
+        </p:blipFill>
+        <p:spPr>
+          <a:xfrm>
+            <a:off x="6019801" y="1143000"/>
+            <a:ext cx="5638800" cy="4280053"/>
+          </a:xfrm>
+          <a:prstGeom prst="rect">
+            <a:avLst/>
+          </a:prstGeom>
+        </p:spPr>
+      </p:pic>
+      <p:sp>
+        <p:nvSpPr>
+          <p:cNvPr id="12" name="TextBox 11">
+            <a:extLst>
+              <a:ext uri="{FF2B5EF4-FFF2-40B4-BE49-F238E27FC236}">
+                <a16:creationId xmlns:a16="http://schemas.microsoft.com/office/drawing/2014/main" id="{B6F629B2-60D9-BC1D-2828-7C45417D91F3}"/>
+              </a:ext>
+            </a:extLst>
+          </p:cNvPr>
+          <p:cNvSpPr txBox="1"/>
+          <p:nvPr/>
+        </p:nvSpPr>
+        <p:spPr>
+          <a:xfrm>
+            <a:off x="989030" y="5638800"/>
+            <a:ext cx="10541000" cy="1077218"/>
+          </a:xfrm>
+          <a:prstGeom prst="rect">
+            <a:avLst/>
+          </a:prstGeom>
+          <a:noFill/>
+        </p:spPr>
+        <p:txBody>
+          <a:bodyPr wrap="square" rtlCol="0">
+            <a:spAutoFit/>
+          </a:bodyPr>
+          <a:lstStyle/>
+          <a:p>
+            <a:r>
+              <a:rPr lang="en-US" sz="1600" dirty="0"/>
+              <a:t>Pending: </a:t>
+            </a:r>
+          </a:p>
+          <a:p>
+            <a:pPr marL="285750" indent="-285750">
+              <a:buFont typeface="Arial" panose="020B0604020202020204" pitchFamily="34" charset="0"/>
+              <a:buChar char="•"/>
+            </a:pPr>
+            <a:r>
+              <a:rPr lang="en-US" sz="1600" dirty="0"/>
+              <a:t>Not published online, only on localhost</a:t>
+            </a:r>
+          </a:p>
+          <a:p>
+            <a:pPr marL="285750" indent="-285750">
+              <a:buFont typeface="Arial" panose="020B0604020202020204" pitchFamily="34" charset="0"/>
+              <a:buChar char="•"/>
+            </a:pPr>
+            <a:r>
+              <a:rPr lang="en-US" sz="1600" dirty="0"/>
+              <a:t>Change week number to dates</a:t>
+            </a:r>
+          </a:p>
+          <a:p>
+            <a:pPr marL="285750" indent="-285750">
+              <a:buFont typeface="Arial" panose="020B0604020202020204" pitchFamily="34" charset="0"/>
+              <a:buChar char="•"/>
+            </a:pPr>
+            <a:r>
+              <a:rPr lang="en-US" sz="1600" dirty="0"/>
+              <a:t>Change enter latitude, longitude, to select on map </a:t>
+            </a:r>
+            <a:r>
+              <a:rPr lang="en-US" sz="1600"/>
+              <a:t>which picks latitude and longitude as </a:t>
+            </a:r>
+            <a:r>
+              <a:rPr lang="en-US" sz="1600" dirty="0"/>
+              <a:t>input</a:t>
+            </a:r>
+            <a:endParaRPr lang="en-IN" sz="1600" dirty="0"/>
+          </a:p>
+        </p:txBody>
+      </p:sp>
+    </p:spTree>
+    <p:extLst>
+      <p:ext uri="{BB962C8B-B14F-4D97-AF65-F5344CB8AC3E}">
+        <p14:creationId xmlns:p14="http://schemas.microsoft.com/office/powerpoint/2010/main" val="3466363529"/>
+      </p:ext>
+    </p:extLst>
+  </p:cSld>
+  <p:clrMapOvr>
+    <a:masterClrMapping/>
+  </p:clrMapOvr>
+</p:sld>
+</file>
+
+<file path=ppt/slides/slide7.xml><?xml version="1.0" encoding="utf-8"?>
 <p:sld xmlns:a="http://schemas.openxmlformats.org/drawingml/2006/main" xmlns:r="http://schemas.openxmlformats.org/officeDocument/2006/relationships" xmlns:p="http://schemas.openxmlformats.org/presentationml/2006/main">
   <p:cSld>
     <p:spTree>

--- a/Leveraging Earth Observation Data for Informed Agricultural Decision-Making - Meteoric Minds.pptx
+++ b/Leveraging Earth Observation Data for Informed Agricultural Decision-Making - Meteoric Minds.pptx
@@ -11961,7 +11961,7 @@
         <p:spPr>
           <a:xfrm>
             <a:off x="989030" y="5638800"/>
-            <a:ext cx="10541000" cy="1077218"/>
+            <a:ext cx="10541000" cy="1107996"/>
           </a:xfrm>
           <a:prstGeom prst="rect">
             <a:avLst/>
@@ -11986,8 +11986,19 @@
             </a:pPr>
             <a:r>
               <a:rPr lang="en-US" sz="1600" dirty="0"/>
-              <a:t>Not published online, only on localhost</a:t>
+              <a:t>Not published online, only on localhost </a:t>
             </a:r>
+            <a:r>
+              <a:rPr lang="en-US" sz="1800" b="0" i="0" u="none" strike="noStrike" dirty="0">
+                <a:solidFill>
+                  <a:srgbClr val="000000"/>
+                </a:solidFill>
+                <a:effectLst/>
+                <a:latin typeface="Arial" panose="020B0604020202020204" pitchFamily="34" charset="0"/>
+              </a:rPr>
+              <a:t>and an error while displaying forecasted output.</a:t>
+            </a:r>
+            <a:endParaRPr lang="en-US" sz="1600" dirty="0"/>
           </a:p>
           <a:p>
             <a:pPr marL="285750" indent="-285750">
@@ -12006,15 +12017,7 @@
             </a:pPr>
             <a:r>
               <a:rPr lang="en-US" sz="1600" dirty="0"/>
-              <a:t>Change enter latitude, longitude, to select on map </a:t>
-            </a:r>
-            <a:r>
-              <a:rPr lang="en-US" sz="1600"/>
-              <a:t>which picks latitude and longitude as </a:t>
-            </a:r>
-            <a:r>
-              <a:rPr lang="en-US" sz="1600" dirty="0"/>
-              <a:t>input</a:t>
+              <a:t>Change enter latitude, longitude, to select on map which picks latitude and longitude as input</a:t>
             </a:r>
             <a:endParaRPr lang="en-IN" sz="1600" dirty="0"/>
           </a:p>
